--- a/documents/material.pptx
+++ b/documents/material.pptx
@@ -6,6 +6,7 @@
   </p:sldMasterIdLst>
   <p:sldIdLst>
     <p:sldId id="256" r:id="rId2"/>
+    <p:sldId id="257" r:id="rId3"/>
   </p:sldIdLst>
   <p:sldSz cx="12192000" cy="6858000"/>
   <p:notesSz cx="6858000" cy="9144000"/>
@@ -259,7 +260,7 @@
           <a:p>
             <a:fld id="{1D7F3C9B-8E03-4FCB-A281-3058F15056F4}" type="datetimeFigureOut">
               <a:rPr kumimoji="1" lang="ja-JP" altLang="en-US" smtClean="0"/>
-              <a:t>2025/6/2</a:t>
+              <a:t>2025/6/3</a:t>
             </a:fld>
             <a:endParaRPr kumimoji="1" lang="ja-JP" altLang="en-US"/>
           </a:p>
@@ -489,7 +490,7 @@
           <a:p>
             <a:fld id="{1D7F3C9B-8E03-4FCB-A281-3058F15056F4}" type="datetimeFigureOut">
               <a:rPr kumimoji="1" lang="ja-JP" altLang="en-US" smtClean="0"/>
-              <a:t>2025/6/2</a:t>
+              <a:t>2025/6/3</a:t>
             </a:fld>
             <a:endParaRPr kumimoji="1" lang="ja-JP" altLang="en-US"/>
           </a:p>
@@ -729,7 +730,7 @@
           <a:p>
             <a:fld id="{1D7F3C9B-8E03-4FCB-A281-3058F15056F4}" type="datetimeFigureOut">
               <a:rPr kumimoji="1" lang="ja-JP" altLang="en-US" smtClean="0"/>
-              <a:t>2025/6/2</a:t>
+              <a:t>2025/6/3</a:t>
             </a:fld>
             <a:endParaRPr kumimoji="1" lang="ja-JP" altLang="en-US"/>
           </a:p>
@@ -959,7 +960,7 @@
           <a:p>
             <a:fld id="{1D7F3C9B-8E03-4FCB-A281-3058F15056F4}" type="datetimeFigureOut">
               <a:rPr kumimoji="1" lang="ja-JP" altLang="en-US" smtClean="0"/>
-              <a:t>2025/6/2</a:t>
+              <a:t>2025/6/3</a:t>
             </a:fld>
             <a:endParaRPr kumimoji="1" lang="ja-JP" altLang="en-US"/>
           </a:p>
@@ -1234,7 +1235,7 @@
           <a:p>
             <a:fld id="{1D7F3C9B-8E03-4FCB-A281-3058F15056F4}" type="datetimeFigureOut">
               <a:rPr kumimoji="1" lang="ja-JP" altLang="en-US" smtClean="0"/>
-              <a:t>2025/6/2</a:t>
+              <a:t>2025/6/3</a:t>
             </a:fld>
             <a:endParaRPr kumimoji="1" lang="ja-JP" altLang="en-US"/>
           </a:p>
@@ -1563,7 +1564,7 @@
           <a:p>
             <a:fld id="{1D7F3C9B-8E03-4FCB-A281-3058F15056F4}" type="datetimeFigureOut">
               <a:rPr kumimoji="1" lang="ja-JP" altLang="en-US" smtClean="0"/>
-              <a:t>2025/6/2</a:t>
+              <a:t>2025/6/3</a:t>
             </a:fld>
             <a:endParaRPr kumimoji="1" lang="ja-JP" altLang="en-US"/>
           </a:p>
@@ -2039,7 +2040,7 @@
           <a:p>
             <a:fld id="{1D7F3C9B-8E03-4FCB-A281-3058F15056F4}" type="datetimeFigureOut">
               <a:rPr kumimoji="1" lang="ja-JP" altLang="en-US" smtClean="0"/>
-              <a:t>2025/6/2</a:t>
+              <a:t>2025/6/3</a:t>
             </a:fld>
             <a:endParaRPr kumimoji="1" lang="ja-JP" altLang="en-US"/>
           </a:p>
@@ -2180,7 +2181,7 @@
           <a:p>
             <a:fld id="{1D7F3C9B-8E03-4FCB-A281-3058F15056F4}" type="datetimeFigureOut">
               <a:rPr kumimoji="1" lang="ja-JP" altLang="en-US" smtClean="0"/>
-              <a:t>2025/6/2</a:t>
+              <a:t>2025/6/3</a:t>
             </a:fld>
             <a:endParaRPr kumimoji="1" lang="ja-JP" altLang="en-US"/>
           </a:p>
@@ -2293,7 +2294,7 @@
           <a:p>
             <a:fld id="{1D7F3C9B-8E03-4FCB-A281-3058F15056F4}" type="datetimeFigureOut">
               <a:rPr kumimoji="1" lang="ja-JP" altLang="en-US" smtClean="0"/>
-              <a:t>2025/6/2</a:t>
+              <a:t>2025/6/3</a:t>
             </a:fld>
             <a:endParaRPr kumimoji="1" lang="ja-JP" altLang="en-US"/>
           </a:p>
@@ -2636,7 +2637,7 @@
           <a:p>
             <a:fld id="{1D7F3C9B-8E03-4FCB-A281-3058F15056F4}" type="datetimeFigureOut">
               <a:rPr kumimoji="1" lang="ja-JP" altLang="en-US" smtClean="0"/>
-              <a:t>2025/6/2</a:t>
+              <a:t>2025/6/3</a:t>
             </a:fld>
             <a:endParaRPr kumimoji="1" lang="ja-JP" altLang="en-US"/>
           </a:p>
@@ -2924,7 +2925,7 @@
           <a:p>
             <a:fld id="{1D7F3C9B-8E03-4FCB-A281-3058F15056F4}" type="datetimeFigureOut">
               <a:rPr kumimoji="1" lang="ja-JP" altLang="en-US" smtClean="0"/>
-              <a:t>2025/6/2</a:t>
+              <a:t>2025/6/3</a:t>
             </a:fld>
             <a:endParaRPr kumimoji="1" lang="ja-JP" altLang="en-US"/>
           </a:p>
@@ -3197,7 +3198,7 @@
           <a:p>
             <a:fld id="{1D7F3C9B-8E03-4FCB-A281-3058F15056F4}" type="datetimeFigureOut">
               <a:rPr kumimoji="1" lang="ja-JP" altLang="en-US" smtClean="0"/>
-              <a:t>2025/6/2</a:t>
+              <a:t>2025/6/3</a:t>
             </a:fld>
             <a:endParaRPr kumimoji="1" lang="ja-JP" altLang="en-US"/>
           </a:p>
@@ -3663,6 +3664,3756 @@
 </p:sld>
 </file>
 
+<file path=ppt/slides/slide2.xml><?xml version="1.0" encoding="utf-8"?>
+<p:sld xmlns:a="http://schemas.openxmlformats.org/drawingml/2006/main" xmlns:r="http://schemas.openxmlformats.org/officeDocument/2006/relationships" xmlns:p="http://schemas.openxmlformats.org/presentationml/2006/main">
+  <p:cSld>
+    <p:spTree>
+      <p:nvGrpSpPr>
+        <p:cNvPr id="1" name=""/>
+        <p:cNvGrpSpPr/>
+        <p:nvPr/>
+      </p:nvGrpSpPr>
+      <p:grpSpPr>
+        <a:xfrm>
+          <a:off x="0" y="0"/>
+          <a:ext cx="0" cy="0"/>
+          <a:chOff x="0" y="0"/>
+          <a:chExt cx="0" cy="0"/>
+        </a:xfrm>
+      </p:grpSpPr>
+      <p:grpSp>
+        <p:nvGrpSpPr>
+          <p:cNvPr id="72" name="グループ化 71">
+            <a:extLst>
+              <a:ext uri="{FF2B5EF4-FFF2-40B4-BE49-F238E27FC236}">
+                <a16:creationId xmlns:a16="http://schemas.microsoft.com/office/drawing/2014/main" id="{58A28542-432B-705F-F947-1DE9EAA8A8A2}"/>
+              </a:ext>
+            </a:extLst>
+          </p:cNvPr>
+          <p:cNvGrpSpPr/>
+          <p:nvPr/>
+        </p:nvGrpSpPr>
+        <p:grpSpPr>
+          <a:xfrm>
+            <a:off x="1409701" y="520700"/>
+            <a:ext cx="9347199" cy="5163607"/>
+            <a:chOff x="1409701" y="520700"/>
+            <a:chExt cx="9347199" cy="5163607"/>
+          </a:xfrm>
+        </p:grpSpPr>
+        <p:sp>
+          <p:nvSpPr>
+            <p:cNvPr id="71" name="正方形/長方形 70">
+              <a:extLst>
+                <a:ext uri="{FF2B5EF4-FFF2-40B4-BE49-F238E27FC236}">
+                  <a16:creationId xmlns:a16="http://schemas.microsoft.com/office/drawing/2014/main" id="{75B72814-6FB7-B48A-7CB4-7E01F8C91244}"/>
+                </a:ext>
+              </a:extLst>
+            </p:cNvPr>
+            <p:cNvSpPr/>
+            <p:nvPr/>
+          </p:nvSpPr>
+          <p:spPr>
+            <a:xfrm>
+              <a:off x="1409701" y="520700"/>
+              <a:ext cx="9347199" cy="5163607"/>
+            </a:xfrm>
+            <a:prstGeom prst="rect">
+              <a:avLst/>
+            </a:prstGeom>
+            <a:solidFill>
+              <a:schemeClr val="bg1"/>
+            </a:solidFill>
+            <a:ln>
+              <a:noFill/>
+            </a:ln>
+          </p:spPr>
+          <p:style>
+            <a:lnRef idx="2">
+              <a:schemeClr val="accent1">
+                <a:shade val="15000"/>
+              </a:schemeClr>
+            </a:lnRef>
+            <a:fillRef idx="1">
+              <a:schemeClr val="accent1"/>
+            </a:fillRef>
+            <a:effectRef idx="0">
+              <a:schemeClr val="accent1"/>
+            </a:effectRef>
+            <a:fontRef idx="minor">
+              <a:schemeClr val="lt1"/>
+            </a:fontRef>
+          </p:style>
+          <p:txBody>
+            <a:bodyPr rtlCol="0" anchor="ctr"/>
+            <a:lstStyle/>
+            <a:p>
+              <a:pPr algn="ctr"/>
+              <a:endParaRPr kumimoji="1" lang="ja-JP" altLang="en-US"/>
+            </a:p>
+          </p:txBody>
+        </p:sp>
+        <p:grpSp>
+          <p:nvGrpSpPr>
+            <p:cNvPr id="4" name="グループ化 3">
+              <a:extLst>
+                <a:ext uri="{FF2B5EF4-FFF2-40B4-BE49-F238E27FC236}">
+                  <a16:creationId xmlns:a16="http://schemas.microsoft.com/office/drawing/2014/main" id="{4DC69C5A-06E2-C5ED-F41D-57CD7FDF2EAA}"/>
+                </a:ext>
+              </a:extLst>
+            </p:cNvPr>
+            <p:cNvGrpSpPr/>
+            <p:nvPr/>
+          </p:nvGrpSpPr>
+          <p:grpSpPr>
+            <a:xfrm>
+              <a:off x="3055579" y="2179476"/>
+              <a:ext cx="1652689" cy="547062"/>
+              <a:chOff x="503238" y="374650"/>
+              <a:chExt cx="2302020" cy="762000"/>
+            </a:xfrm>
+          </p:grpSpPr>
+          <p:pic>
+            <p:nvPicPr>
+              <p:cNvPr id="2" name="Graphic 10" descr="AWS Amplify service icon.">
+                <a:extLst>
+                  <a:ext uri="{FF2B5EF4-FFF2-40B4-BE49-F238E27FC236}">
+                    <a16:creationId xmlns:a16="http://schemas.microsoft.com/office/drawing/2014/main" id="{6889A03C-2EA3-3D67-4BA1-6996BD2F4F2C}"/>
+                  </a:ext>
+                </a:extLst>
+              </p:cNvPr>
+              <p:cNvPicPr>
+                <a:picLocks noChangeAspect="1" noChangeArrowheads="1"/>
+              </p:cNvPicPr>
+              <p:nvPr/>
+            </p:nvPicPr>
+            <p:blipFill>
+              <a:blip r:embed="rId2">
+                <a:extLst>
+                  <a:ext uri="{96DAC541-7B7A-43D3-8B79-37D633B846F1}">
+                    <asvg:svgBlip xmlns:asvg="http://schemas.microsoft.com/office/drawing/2016/SVG/main" r:embed="rId3"/>
+                  </a:ext>
+                </a:extLst>
+              </a:blip>
+              <a:srcRect/>
+              <a:stretch/>
+            </p:blipFill>
+            <p:spPr bwMode="auto">
+              <a:xfrm>
+                <a:off x="503238" y="374650"/>
+                <a:ext cx="762000" cy="762000"/>
+              </a:xfrm>
+              <a:prstGeom prst="rect">
+                <a:avLst/>
+              </a:prstGeom>
+              <a:noFill/>
+              <a:ln>
+                <a:noFill/>
+              </a:ln>
+              <a:extLst>
+                <a:ext uri="{909E8E84-426E-40DD-AFC4-6F175D3DCCD1}">
+                  <a14:hiddenFill xmlns:a14="http://schemas.microsoft.com/office/drawing/2010/main">
+                    <a:solidFill>
+                      <a:srgbClr val="FFFFFF"/>
+                    </a:solidFill>
+                  </a14:hiddenFill>
+                </a:ext>
+                <a:ext uri="{91240B29-F687-4F45-9708-019B960494DF}">
+                  <a14:hiddenLine xmlns:a14="http://schemas.microsoft.com/office/drawing/2010/main" w="9525">
+                    <a:solidFill>
+                      <a:srgbClr val="000000"/>
+                    </a:solidFill>
+                    <a:miter lim="800000"/>
+                    <a:headEnd/>
+                    <a:tailEnd/>
+                  </a14:hiddenLine>
+                </a:ext>
+              </a:extLst>
+            </p:spPr>
+          </p:pic>
+          <p:sp>
+            <p:nvSpPr>
+              <p:cNvPr id="3" name="TextBox 6">
+                <a:extLst>
+                  <a:ext uri="{FF2B5EF4-FFF2-40B4-BE49-F238E27FC236}">
+                    <a16:creationId xmlns:a16="http://schemas.microsoft.com/office/drawing/2014/main" id="{97AC56D2-9808-DAE8-5F3A-A2B51EE0D611}"/>
+                  </a:ext>
+                </a:extLst>
+              </p:cNvPr>
+              <p:cNvSpPr txBox="1">
+                <a:spLocks noChangeArrowheads="1"/>
+              </p:cNvSpPr>
+              <p:nvPr/>
+            </p:nvSpPr>
+            <p:spPr bwMode="auto">
+              <a:xfrm>
+                <a:off x="1236371" y="412314"/>
+                <a:ext cx="1568887" cy="385831"/>
+              </a:xfrm>
+              <a:prstGeom prst="rect">
+                <a:avLst/>
+              </a:prstGeom>
+              <a:noFill/>
+              <a:ln>
+                <a:noFill/>
+              </a:ln>
+              <a:extLst>
+                <a:ext uri="{909E8E84-426E-40DD-AFC4-6F175D3DCCD1}">
+                  <a14:hiddenFill xmlns:a14="http://schemas.microsoft.com/office/drawing/2010/main">
+                    <a:solidFill>
+                      <a:srgbClr val="FFFFFF"/>
+                    </a:solidFill>
+                  </a14:hiddenFill>
+                </a:ext>
+                <a:ext uri="{91240B29-F687-4F45-9708-019B960494DF}">
+                  <a14:hiddenLine xmlns:a14="http://schemas.microsoft.com/office/drawing/2010/main" w="9525">
+                    <a:solidFill>
+                      <a:srgbClr val="000000"/>
+                    </a:solidFill>
+                    <a:miter lim="800000"/>
+                    <a:headEnd/>
+                    <a:tailEnd/>
+                  </a14:hiddenLine>
+                </a:ext>
+              </a:extLst>
+            </p:spPr>
+            <p:txBody>
+              <a:bodyPr wrap="square">
+                <a:spAutoFit/>
+              </a:bodyPr>
+              <a:lstStyle>
+                <a:lvl1pPr>
+                  <a:defRPr>
+                    <a:solidFill>
+                      <a:schemeClr val="tx1"/>
+                    </a:solidFill>
+                    <a:latin typeface="Calibri" panose="020F0502020204030204" pitchFamily="34" charset="0"/>
+                  </a:defRPr>
+                </a:lvl1pPr>
+                <a:lvl2pPr marL="742950" indent="-285750">
+                  <a:defRPr>
+                    <a:solidFill>
+                      <a:schemeClr val="tx1"/>
+                    </a:solidFill>
+                    <a:latin typeface="Calibri" panose="020F0502020204030204" pitchFamily="34" charset="0"/>
+                  </a:defRPr>
+                </a:lvl2pPr>
+                <a:lvl3pPr marL="1143000" indent="-228600">
+                  <a:defRPr>
+                    <a:solidFill>
+                      <a:schemeClr val="tx1"/>
+                    </a:solidFill>
+                    <a:latin typeface="Calibri" panose="020F0502020204030204" pitchFamily="34" charset="0"/>
+                  </a:defRPr>
+                </a:lvl3pPr>
+                <a:lvl4pPr marL="1600200" indent="-228600">
+                  <a:defRPr>
+                    <a:solidFill>
+                      <a:schemeClr val="tx1"/>
+                    </a:solidFill>
+                    <a:latin typeface="Calibri" panose="020F0502020204030204" pitchFamily="34" charset="0"/>
+                  </a:defRPr>
+                </a:lvl4pPr>
+                <a:lvl5pPr marL="2057400" indent="-228600">
+                  <a:defRPr>
+                    <a:solidFill>
+                      <a:schemeClr val="tx1"/>
+                    </a:solidFill>
+                    <a:latin typeface="Calibri" panose="020F0502020204030204" pitchFamily="34" charset="0"/>
+                  </a:defRPr>
+                </a:lvl5pPr>
+                <a:lvl6pPr marL="2514600" indent="-228600" eaLnBrk="0" fontAlgn="base" hangingPunct="0">
+                  <a:spcBef>
+                    <a:spcPct val="0"/>
+                  </a:spcBef>
+                  <a:spcAft>
+                    <a:spcPct val="0"/>
+                  </a:spcAft>
+                  <a:defRPr>
+                    <a:solidFill>
+                      <a:schemeClr val="tx1"/>
+                    </a:solidFill>
+                    <a:latin typeface="Calibri" panose="020F0502020204030204" pitchFamily="34" charset="0"/>
+                  </a:defRPr>
+                </a:lvl6pPr>
+                <a:lvl7pPr marL="2971800" indent="-228600" eaLnBrk="0" fontAlgn="base" hangingPunct="0">
+                  <a:spcBef>
+                    <a:spcPct val="0"/>
+                  </a:spcBef>
+                  <a:spcAft>
+                    <a:spcPct val="0"/>
+                  </a:spcAft>
+                  <a:defRPr>
+                    <a:solidFill>
+                      <a:schemeClr val="tx1"/>
+                    </a:solidFill>
+                    <a:latin typeface="Calibri" panose="020F0502020204030204" pitchFamily="34" charset="0"/>
+                  </a:defRPr>
+                </a:lvl7pPr>
+                <a:lvl8pPr marL="3429000" indent="-228600" eaLnBrk="0" fontAlgn="base" hangingPunct="0">
+                  <a:spcBef>
+                    <a:spcPct val="0"/>
+                  </a:spcBef>
+                  <a:spcAft>
+                    <a:spcPct val="0"/>
+                  </a:spcAft>
+                  <a:defRPr>
+                    <a:solidFill>
+                      <a:schemeClr val="tx1"/>
+                    </a:solidFill>
+                    <a:latin typeface="Calibri" panose="020F0502020204030204" pitchFamily="34" charset="0"/>
+                  </a:defRPr>
+                </a:lvl8pPr>
+                <a:lvl9pPr marL="3886200" indent="-228600" eaLnBrk="0" fontAlgn="base" hangingPunct="0">
+                  <a:spcBef>
+                    <a:spcPct val="0"/>
+                  </a:spcBef>
+                  <a:spcAft>
+                    <a:spcPct val="0"/>
+                  </a:spcAft>
+                  <a:defRPr>
+                    <a:solidFill>
+                      <a:schemeClr val="tx1"/>
+                    </a:solidFill>
+                    <a:latin typeface="Calibri" panose="020F0502020204030204" pitchFamily="34" charset="0"/>
+                  </a:defRPr>
+                </a:lvl9pPr>
+              </a:lstStyle>
+              <a:p>
+                <a:pPr algn="ctr" eaLnBrk="1" hangingPunct="1"/>
+                <a:r>
+                  <a:rPr lang="en-US" altLang="en-US" sz="1200" dirty="0">
+                    <a:latin typeface="Arial" panose="020B0604020202020204" pitchFamily="34" charset="0"/>
+                    <a:ea typeface="Amazon Ember" panose="020B0603020204020204" pitchFamily="34" charset="0"/>
+                    <a:cs typeface="Arial" panose="020B0604020202020204" pitchFamily="34" charset="0"/>
+                  </a:rPr>
+                  <a:t>AWS Amplify</a:t>
+                </a:r>
+              </a:p>
+            </p:txBody>
+          </p:sp>
+        </p:grpSp>
+        <p:grpSp>
+          <p:nvGrpSpPr>
+            <p:cNvPr id="7" name="グループ化 6">
+              <a:extLst>
+                <a:ext uri="{FF2B5EF4-FFF2-40B4-BE49-F238E27FC236}">
+                  <a16:creationId xmlns:a16="http://schemas.microsoft.com/office/drawing/2014/main" id="{B4B14764-6611-6B53-83F8-AE813960923C}"/>
+                </a:ext>
+              </a:extLst>
+            </p:cNvPr>
+            <p:cNvGrpSpPr/>
+            <p:nvPr/>
+          </p:nvGrpSpPr>
+          <p:grpSpPr>
+            <a:xfrm>
+              <a:off x="8868602" y="4464651"/>
+              <a:ext cx="1580784" cy="745928"/>
+              <a:chOff x="9102725" y="1184275"/>
+              <a:chExt cx="2201863" cy="1038999"/>
+            </a:xfrm>
+          </p:grpSpPr>
+          <p:pic>
+            <p:nvPicPr>
+              <p:cNvPr id="5" name="Graphic 22" descr="Amazon SageMaker service icon.">
+                <a:extLst>
+                  <a:ext uri="{FF2B5EF4-FFF2-40B4-BE49-F238E27FC236}">
+                    <a16:creationId xmlns:a16="http://schemas.microsoft.com/office/drawing/2014/main" id="{0FF30217-00C8-05F7-8795-A847B0396DAC}"/>
+                  </a:ext>
+                </a:extLst>
+              </p:cNvPr>
+              <p:cNvPicPr>
+                <a:picLocks noChangeAspect="1" noChangeArrowheads="1"/>
+              </p:cNvPicPr>
+              <p:nvPr/>
+            </p:nvPicPr>
+            <p:blipFill>
+              <a:blip r:embed="rId4">
+                <a:extLst>
+                  <a:ext uri="{96DAC541-7B7A-43D3-8B79-37D633B846F1}">
+                    <asvg:svgBlip xmlns:asvg="http://schemas.microsoft.com/office/drawing/2016/SVG/main" r:embed="rId5"/>
+                  </a:ext>
+                </a:extLst>
+              </a:blip>
+              <a:srcRect/>
+              <a:stretch/>
+            </p:blipFill>
+            <p:spPr bwMode="auto">
+              <a:xfrm>
+                <a:off x="9817100" y="1184275"/>
+                <a:ext cx="762000" cy="762000"/>
+              </a:xfrm>
+              <a:prstGeom prst="rect">
+                <a:avLst/>
+              </a:prstGeom>
+              <a:noFill/>
+              <a:ln>
+                <a:noFill/>
+              </a:ln>
+              <a:extLst>
+                <a:ext uri="{909E8E84-426E-40DD-AFC4-6F175D3DCCD1}">
+                  <a14:hiddenFill xmlns:a14="http://schemas.microsoft.com/office/drawing/2010/main">
+                    <a:solidFill>
+                      <a:srgbClr val="FFFFFF"/>
+                    </a:solidFill>
+                  </a14:hiddenFill>
+                </a:ext>
+                <a:ext uri="{91240B29-F687-4F45-9708-019B960494DF}">
+                  <a14:hiddenLine xmlns:a14="http://schemas.microsoft.com/office/drawing/2010/main" w="9525">
+                    <a:solidFill>
+                      <a:srgbClr val="000000"/>
+                    </a:solidFill>
+                    <a:miter lim="800000"/>
+                    <a:headEnd/>
+                    <a:tailEnd/>
+                  </a14:hiddenLine>
+                </a:ext>
+              </a:extLst>
+            </p:spPr>
+          </p:pic>
+          <p:sp>
+            <p:nvSpPr>
+              <p:cNvPr id="6" name="TextBox 15">
+                <a:extLst>
+                  <a:ext uri="{FF2B5EF4-FFF2-40B4-BE49-F238E27FC236}">
+                    <a16:creationId xmlns:a16="http://schemas.microsoft.com/office/drawing/2014/main" id="{BB1EDFB6-1B21-7F92-2416-5296E19E32BD}"/>
+                  </a:ext>
+                </a:extLst>
+              </p:cNvPr>
+              <p:cNvSpPr txBox="1">
+                <a:spLocks noChangeArrowheads="1"/>
+              </p:cNvSpPr>
+              <p:nvPr/>
+            </p:nvSpPr>
+            <p:spPr bwMode="auto">
+              <a:xfrm>
+                <a:off x="9102725" y="1946275"/>
+                <a:ext cx="2201863" cy="276999"/>
+              </a:xfrm>
+              <a:prstGeom prst="rect">
+                <a:avLst/>
+              </a:prstGeom>
+              <a:noFill/>
+              <a:ln>
+                <a:noFill/>
+              </a:ln>
+              <a:extLst>
+                <a:ext uri="{909E8E84-426E-40DD-AFC4-6F175D3DCCD1}">
+                  <a14:hiddenFill xmlns:a14="http://schemas.microsoft.com/office/drawing/2010/main">
+                    <a:solidFill>
+                      <a:srgbClr val="FFFFFF"/>
+                    </a:solidFill>
+                  </a14:hiddenFill>
+                </a:ext>
+                <a:ext uri="{91240B29-F687-4F45-9708-019B960494DF}">
+                  <a14:hiddenLine xmlns:a14="http://schemas.microsoft.com/office/drawing/2010/main" w="9525">
+                    <a:solidFill>
+                      <a:srgbClr val="000000"/>
+                    </a:solidFill>
+                    <a:miter lim="800000"/>
+                    <a:headEnd/>
+                    <a:tailEnd/>
+                  </a14:hiddenLine>
+                </a:ext>
+              </a:extLst>
+            </p:spPr>
+            <p:txBody>
+              <a:bodyPr>
+                <a:spAutoFit/>
+              </a:bodyPr>
+              <a:lstStyle>
+                <a:lvl1pPr>
+                  <a:defRPr>
+                    <a:solidFill>
+                      <a:schemeClr val="tx1"/>
+                    </a:solidFill>
+                    <a:latin typeface="Calibri" panose="020F0502020204030204" pitchFamily="34" charset="0"/>
+                  </a:defRPr>
+                </a:lvl1pPr>
+                <a:lvl2pPr marL="742950" indent="-285750">
+                  <a:defRPr>
+                    <a:solidFill>
+                      <a:schemeClr val="tx1"/>
+                    </a:solidFill>
+                    <a:latin typeface="Calibri" panose="020F0502020204030204" pitchFamily="34" charset="0"/>
+                  </a:defRPr>
+                </a:lvl2pPr>
+                <a:lvl3pPr marL="1143000" indent="-228600">
+                  <a:defRPr>
+                    <a:solidFill>
+                      <a:schemeClr val="tx1"/>
+                    </a:solidFill>
+                    <a:latin typeface="Calibri" panose="020F0502020204030204" pitchFamily="34" charset="0"/>
+                  </a:defRPr>
+                </a:lvl3pPr>
+                <a:lvl4pPr marL="1600200" indent="-228600">
+                  <a:defRPr>
+                    <a:solidFill>
+                      <a:schemeClr val="tx1"/>
+                    </a:solidFill>
+                    <a:latin typeface="Calibri" panose="020F0502020204030204" pitchFamily="34" charset="0"/>
+                  </a:defRPr>
+                </a:lvl4pPr>
+                <a:lvl5pPr marL="2057400" indent="-228600">
+                  <a:defRPr>
+                    <a:solidFill>
+                      <a:schemeClr val="tx1"/>
+                    </a:solidFill>
+                    <a:latin typeface="Calibri" panose="020F0502020204030204" pitchFamily="34" charset="0"/>
+                  </a:defRPr>
+                </a:lvl5pPr>
+                <a:lvl6pPr marL="2514600" indent="-228600" eaLnBrk="0" fontAlgn="base" hangingPunct="0">
+                  <a:spcBef>
+                    <a:spcPct val="0"/>
+                  </a:spcBef>
+                  <a:spcAft>
+                    <a:spcPct val="0"/>
+                  </a:spcAft>
+                  <a:defRPr>
+                    <a:solidFill>
+                      <a:schemeClr val="tx1"/>
+                    </a:solidFill>
+                    <a:latin typeface="Calibri" panose="020F0502020204030204" pitchFamily="34" charset="0"/>
+                  </a:defRPr>
+                </a:lvl6pPr>
+                <a:lvl7pPr marL="2971800" indent="-228600" eaLnBrk="0" fontAlgn="base" hangingPunct="0">
+                  <a:spcBef>
+                    <a:spcPct val="0"/>
+                  </a:spcBef>
+                  <a:spcAft>
+                    <a:spcPct val="0"/>
+                  </a:spcAft>
+                  <a:defRPr>
+                    <a:solidFill>
+                      <a:schemeClr val="tx1"/>
+                    </a:solidFill>
+                    <a:latin typeface="Calibri" panose="020F0502020204030204" pitchFamily="34" charset="0"/>
+                  </a:defRPr>
+                </a:lvl7pPr>
+                <a:lvl8pPr marL="3429000" indent="-228600" eaLnBrk="0" fontAlgn="base" hangingPunct="0">
+                  <a:spcBef>
+                    <a:spcPct val="0"/>
+                  </a:spcBef>
+                  <a:spcAft>
+                    <a:spcPct val="0"/>
+                  </a:spcAft>
+                  <a:defRPr>
+                    <a:solidFill>
+                      <a:schemeClr val="tx1"/>
+                    </a:solidFill>
+                    <a:latin typeface="Calibri" panose="020F0502020204030204" pitchFamily="34" charset="0"/>
+                  </a:defRPr>
+                </a:lvl8pPr>
+                <a:lvl9pPr marL="3886200" indent="-228600" eaLnBrk="0" fontAlgn="base" hangingPunct="0">
+                  <a:spcBef>
+                    <a:spcPct val="0"/>
+                  </a:spcBef>
+                  <a:spcAft>
+                    <a:spcPct val="0"/>
+                  </a:spcAft>
+                  <a:defRPr>
+                    <a:solidFill>
+                      <a:schemeClr val="tx1"/>
+                    </a:solidFill>
+                    <a:latin typeface="Calibri" panose="020F0502020204030204" pitchFamily="34" charset="0"/>
+                  </a:defRPr>
+                </a:lvl9pPr>
+              </a:lstStyle>
+              <a:p>
+                <a:pPr algn="ctr" eaLnBrk="1" hangingPunct="1"/>
+                <a:r>
+                  <a:rPr lang="en-US" altLang="en-US" sz="1200" dirty="0">
+                    <a:latin typeface="Arial" panose="020B0604020202020204" pitchFamily="34" charset="0"/>
+                    <a:ea typeface="Amazon Ember" panose="020B0603020204020204" pitchFamily="34" charset="0"/>
+                    <a:cs typeface="Arial" panose="020B0604020202020204" pitchFamily="34" charset="0"/>
+                  </a:rPr>
+                  <a:t>Amazon </a:t>
+                </a:r>
+                <a:r>
+                  <a:rPr lang="en-US" altLang="en-US" sz="1200" dirty="0" err="1">
+                    <a:latin typeface="Arial" panose="020B0604020202020204" pitchFamily="34" charset="0"/>
+                    <a:ea typeface="Amazon Ember" panose="020B0603020204020204" pitchFamily="34" charset="0"/>
+                    <a:cs typeface="Arial" panose="020B0604020202020204" pitchFamily="34" charset="0"/>
+                  </a:rPr>
+                  <a:t>SageMaker</a:t>
+                </a:r>
+                <a:endParaRPr lang="en-US" altLang="en-US" sz="1200" dirty="0">
+                  <a:latin typeface="Arial" panose="020B0604020202020204" pitchFamily="34" charset="0"/>
+                  <a:ea typeface="Amazon Ember" panose="020B0603020204020204" pitchFamily="34" charset="0"/>
+                  <a:cs typeface="Arial" panose="020B0604020202020204" pitchFamily="34" charset="0"/>
+                </a:endParaRPr>
+              </a:p>
+            </p:txBody>
+          </p:sp>
+        </p:grpSp>
+        <p:grpSp>
+          <p:nvGrpSpPr>
+            <p:cNvPr id="10" name="グループ化 9">
+              <a:extLst>
+                <a:ext uri="{FF2B5EF4-FFF2-40B4-BE49-F238E27FC236}">
+                  <a16:creationId xmlns:a16="http://schemas.microsoft.com/office/drawing/2014/main" id="{18CF7D66-35E7-4049-F5D5-D16BC8A5D8E0}"/>
+                </a:ext>
+              </a:extLst>
+            </p:cNvPr>
+            <p:cNvGrpSpPr/>
+            <p:nvPr/>
+          </p:nvGrpSpPr>
+          <p:grpSpPr>
+            <a:xfrm>
+              <a:off x="4343309" y="2911529"/>
+              <a:ext cx="1645748" cy="824062"/>
+              <a:chOff x="4487863" y="1184275"/>
+              <a:chExt cx="2292350" cy="1147831"/>
+            </a:xfrm>
+          </p:grpSpPr>
+          <p:pic>
+            <p:nvPicPr>
+              <p:cNvPr id="8" name="Graphic 19" descr="Amazon CloudFront service icon.">
+                <a:extLst>
+                  <a:ext uri="{FF2B5EF4-FFF2-40B4-BE49-F238E27FC236}">
+                    <a16:creationId xmlns:a16="http://schemas.microsoft.com/office/drawing/2014/main" id="{C2E2A9CC-A2AB-9CC5-74FC-8E99E0EEDE93}"/>
+                  </a:ext>
+                </a:extLst>
+              </p:cNvPr>
+              <p:cNvPicPr>
+                <a:picLocks noChangeAspect="1" noChangeArrowheads="1"/>
+              </p:cNvPicPr>
+              <p:nvPr/>
+            </p:nvPicPr>
+            <p:blipFill>
+              <a:blip r:embed="rId6">
+                <a:extLst>
+                  <a:ext uri="{96DAC541-7B7A-43D3-8B79-37D633B846F1}">
+                    <asvg:svgBlip xmlns:asvg="http://schemas.microsoft.com/office/drawing/2016/SVG/main" r:embed="rId7"/>
+                  </a:ext>
+                </a:extLst>
+              </a:blip>
+              <a:srcRect/>
+              <a:stretch/>
+            </p:blipFill>
+            <p:spPr bwMode="auto">
+              <a:xfrm>
+                <a:off x="5243513" y="1184275"/>
+                <a:ext cx="762000" cy="762000"/>
+              </a:xfrm>
+              <a:prstGeom prst="rect">
+                <a:avLst/>
+              </a:prstGeom>
+              <a:noFill/>
+              <a:ln>
+                <a:noFill/>
+              </a:ln>
+              <a:extLst>
+                <a:ext uri="{909E8E84-426E-40DD-AFC4-6F175D3DCCD1}">
+                  <a14:hiddenFill xmlns:a14="http://schemas.microsoft.com/office/drawing/2010/main">
+                    <a:solidFill>
+                      <a:srgbClr val="FFFFFF"/>
+                    </a:solidFill>
+                  </a14:hiddenFill>
+                </a:ext>
+                <a:ext uri="{91240B29-F687-4F45-9708-019B960494DF}">
+                  <a14:hiddenLine xmlns:a14="http://schemas.microsoft.com/office/drawing/2010/main" w="9525">
+                    <a:solidFill>
+                      <a:srgbClr val="000000"/>
+                    </a:solidFill>
+                    <a:miter lim="800000"/>
+                    <a:headEnd/>
+                    <a:tailEnd/>
+                  </a14:hiddenLine>
+                </a:ext>
+              </a:extLst>
+            </p:spPr>
+          </p:pic>
+          <p:sp>
+            <p:nvSpPr>
+              <p:cNvPr id="9" name="TextBox 11">
+                <a:extLst>
+                  <a:ext uri="{FF2B5EF4-FFF2-40B4-BE49-F238E27FC236}">
+                    <a16:creationId xmlns:a16="http://schemas.microsoft.com/office/drawing/2014/main" id="{0E8B2922-C099-6DAB-5897-72069EFED2C9}"/>
+                  </a:ext>
+                </a:extLst>
+              </p:cNvPr>
+              <p:cNvSpPr txBox="1">
+                <a:spLocks noChangeArrowheads="1"/>
+              </p:cNvSpPr>
+              <p:nvPr/>
+            </p:nvSpPr>
+            <p:spPr bwMode="auto">
+              <a:xfrm>
+                <a:off x="4487863" y="1946276"/>
+                <a:ext cx="2292350" cy="385830"/>
+              </a:xfrm>
+              <a:prstGeom prst="rect">
+                <a:avLst/>
+              </a:prstGeom>
+              <a:noFill/>
+              <a:ln>
+                <a:noFill/>
+              </a:ln>
+              <a:extLst>
+                <a:ext uri="{909E8E84-426E-40DD-AFC4-6F175D3DCCD1}">
+                  <a14:hiddenFill xmlns:a14="http://schemas.microsoft.com/office/drawing/2010/main">
+                    <a:solidFill>
+                      <a:srgbClr val="FFFFFF"/>
+                    </a:solidFill>
+                  </a14:hiddenFill>
+                </a:ext>
+                <a:ext uri="{91240B29-F687-4F45-9708-019B960494DF}">
+                  <a14:hiddenLine xmlns:a14="http://schemas.microsoft.com/office/drawing/2010/main" w="9525">
+                    <a:solidFill>
+                      <a:srgbClr val="000000"/>
+                    </a:solidFill>
+                    <a:miter lim="800000"/>
+                    <a:headEnd/>
+                    <a:tailEnd/>
+                  </a14:hiddenLine>
+                </a:ext>
+              </a:extLst>
+            </p:spPr>
+            <p:txBody>
+              <a:bodyPr>
+                <a:spAutoFit/>
+              </a:bodyPr>
+              <a:lstStyle>
+                <a:lvl1pPr>
+                  <a:defRPr>
+                    <a:solidFill>
+                      <a:schemeClr val="tx1"/>
+                    </a:solidFill>
+                    <a:latin typeface="Calibri" panose="020F0502020204030204" pitchFamily="34" charset="0"/>
+                  </a:defRPr>
+                </a:lvl1pPr>
+                <a:lvl2pPr marL="742950" indent="-285750">
+                  <a:defRPr>
+                    <a:solidFill>
+                      <a:schemeClr val="tx1"/>
+                    </a:solidFill>
+                    <a:latin typeface="Calibri" panose="020F0502020204030204" pitchFamily="34" charset="0"/>
+                  </a:defRPr>
+                </a:lvl2pPr>
+                <a:lvl3pPr marL="1143000" indent="-228600">
+                  <a:defRPr>
+                    <a:solidFill>
+                      <a:schemeClr val="tx1"/>
+                    </a:solidFill>
+                    <a:latin typeface="Calibri" panose="020F0502020204030204" pitchFamily="34" charset="0"/>
+                  </a:defRPr>
+                </a:lvl3pPr>
+                <a:lvl4pPr marL="1600200" indent="-228600">
+                  <a:defRPr>
+                    <a:solidFill>
+                      <a:schemeClr val="tx1"/>
+                    </a:solidFill>
+                    <a:latin typeface="Calibri" panose="020F0502020204030204" pitchFamily="34" charset="0"/>
+                  </a:defRPr>
+                </a:lvl4pPr>
+                <a:lvl5pPr marL="2057400" indent="-228600">
+                  <a:defRPr>
+                    <a:solidFill>
+                      <a:schemeClr val="tx1"/>
+                    </a:solidFill>
+                    <a:latin typeface="Calibri" panose="020F0502020204030204" pitchFamily="34" charset="0"/>
+                  </a:defRPr>
+                </a:lvl5pPr>
+                <a:lvl6pPr marL="2514600" indent="-228600" eaLnBrk="0" fontAlgn="base" hangingPunct="0">
+                  <a:spcBef>
+                    <a:spcPct val="0"/>
+                  </a:spcBef>
+                  <a:spcAft>
+                    <a:spcPct val="0"/>
+                  </a:spcAft>
+                  <a:defRPr>
+                    <a:solidFill>
+                      <a:schemeClr val="tx1"/>
+                    </a:solidFill>
+                    <a:latin typeface="Calibri" panose="020F0502020204030204" pitchFamily="34" charset="0"/>
+                  </a:defRPr>
+                </a:lvl6pPr>
+                <a:lvl7pPr marL="2971800" indent="-228600" eaLnBrk="0" fontAlgn="base" hangingPunct="0">
+                  <a:spcBef>
+                    <a:spcPct val="0"/>
+                  </a:spcBef>
+                  <a:spcAft>
+                    <a:spcPct val="0"/>
+                  </a:spcAft>
+                  <a:defRPr>
+                    <a:solidFill>
+                      <a:schemeClr val="tx1"/>
+                    </a:solidFill>
+                    <a:latin typeface="Calibri" panose="020F0502020204030204" pitchFamily="34" charset="0"/>
+                  </a:defRPr>
+                </a:lvl7pPr>
+                <a:lvl8pPr marL="3429000" indent="-228600" eaLnBrk="0" fontAlgn="base" hangingPunct="0">
+                  <a:spcBef>
+                    <a:spcPct val="0"/>
+                  </a:spcBef>
+                  <a:spcAft>
+                    <a:spcPct val="0"/>
+                  </a:spcAft>
+                  <a:defRPr>
+                    <a:solidFill>
+                      <a:schemeClr val="tx1"/>
+                    </a:solidFill>
+                    <a:latin typeface="Calibri" panose="020F0502020204030204" pitchFamily="34" charset="0"/>
+                  </a:defRPr>
+                </a:lvl8pPr>
+                <a:lvl9pPr marL="3886200" indent="-228600" eaLnBrk="0" fontAlgn="base" hangingPunct="0">
+                  <a:spcBef>
+                    <a:spcPct val="0"/>
+                  </a:spcBef>
+                  <a:spcAft>
+                    <a:spcPct val="0"/>
+                  </a:spcAft>
+                  <a:defRPr>
+                    <a:solidFill>
+                      <a:schemeClr val="tx1"/>
+                    </a:solidFill>
+                    <a:latin typeface="Calibri" panose="020F0502020204030204" pitchFamily="34" charset="0"/>
+                  </a:defRPr>
+                </a:lvl9pPr>
+              </a:lstStyle>
+              <a:p>
+                <a:pPr algn="ctr" eaLnBrk="1" hangingPunct="1"/>
+                <a:r>
+                  <a:rPr lang="en-US" altLang="en-US" sz="1200" dirty="0">
+                    <a:latin typeface="Arial" panose="020B0604020202020204" pitchFamily="34" charset="0"/>
+                    <a:ea typeface="Amazon Ember" panose="020B0603020204020204" pitchFamily="34" charset="0"/>
+                    <a:cs typeface="Arial" panose="020B0604020202020204" pitchFamily="34" charset="0"/>
+                  </a:rPr>
+                  <a:t>Amazon CloudFront</a:t>
+                </a:r>
+              </a:p>
+            </p:txBody>
+          </p:sp>
+        </p:grpSp>
+        <p:grpSp>
+          <p:nvGrpSpPr>
+            <p:cNvPr id="13" name="グループ化 12">
+              <a:extLst>
+                <a:ext uri="{FF2B5EF4-FFF2-40B4-BE49-F238E27FC236}">
+                  <a16:creationId xmlns:a16="http://schemas.microsoft.com/office/drawing/2014/main" id="{A88C5AE4-0244-01E8-0539-3024769ED0C8}"/>
+                </a:ext>
+              </a:extLst>
+            </p:cNvPr>
+            <p:cNvGrpSpPr/>
+            <p:nvPr/>
+          </p:nvGrpSpPr>
+          <p:grpSpPr>
+            <a:xfrm>
+              <a:off x="5829536" y="2911529"/>
+              <a:ext cx="1608138" cy="1009867"/>
+              <a:chOff x="2249488" y="1182688"/>
+              <a:chExt cx="2239962" cy="1406636"/>
+            </a:xfrm>
+          </p:grpSpPr>
+          <p:pic>
+            <p:nvPicPr>
+              <p:cNvPr id="11" name="Graphic 8" descr="Amazon Simple Storage Service (Amazon S3) service icon.">
+                <a:extLst>
+                  <a:ext uri="{FF2B5EF4-FFF2-40B4-BE49-F238E27FC236}">
+                    <a16:creationId xmlns:a16="http://schemas.microsoft.com/office/drawing/2014/main" id="{B905A93A-0F37-2D87-058E-46CECBD0A6B0}"/>
+                  </a:ext>
+                </a:extLst>
+              </p:cNvPr>
+              <p:cNvPicPr>
+                <a:picLocks noChangeAspect="1" noChangeArrowheads="1"/>
+              </p:cNvPicPr>
+              <p:nvPr/>
+            </p:nvPicPr>
+            <p:blipFill>
+              <a:blip r:embed="rId8">
+                <a:extLst>
+                  <a:ext uri="{96DAC541-7B7A-43D3-8B79-37D633B846F1}">
+                    <asvg:svgBlip xmlns:asvg="http://schemas.microsoft.com/office/drawing/2016/SVG/main" r:embed="rId9"/>
+                  </a:ext>
+                </a:extLst>
+              </a:blip>
+              <a:srcRect/>
+              <a:stretch/>
+            </p:blipFill>
+            <p:spPr bwMode="auto">
+              <a:xfrm>
+                <a:off x="2989263" y="1182688"/>
+                <a:ext cx="762000" cy="762000"/>
+              </a:xfrm>
+              <a:prstGeom prst="rect">
+                <a:avLst/>
+              </a:prstGeom>
+              <a:noFill/>
+              <a:ln>
+                <a:noFill/>
+              </a:ln>
+              <a:extLst>
+                <a:ext uri="{909E8E84-426E-40DD-AFC4-6F175D3DCCD1}">
+                  <a14:hiddenFill xmlns:a14="http://schemas.microsoft.com/office/drawing/2010/main">
+                    <a:solidFill>
+                      <a:srgbClr val="FFFFFF"/>
+                    </a:solidFill>
+                  </a14:hiddenFill>
+                </a:ext>
+                <a:ext uri="{91240B29-F687-4F45-9708-019B960494DF}">
+                  <a14:hiddenLine xmlns:a14="http://schemas.microsoft.com/office/drawing/2010/main" w="9525">
+                    <a:solidFill>
+                      <a:srgbClr val="000000"/>
+                    </a:solidFill>
+                    <a:miter lim="800000"/>
+                    <a:headEnd/>
+                    <a:tailEnd/>
+                  </a14:hiddenLine>
+                </a:ext>
+              </a:extLst>
+            </p:spPr>
+          </p:pic>
+          <p:sp>
+            <p:nvSpPr>
+              <p:cNvPr id="12" name="TextBox 9">
+                <a:extLst>
+                  <a:ext uri="{FF2B5EF4-FFF2-40B4-BE49-F238E27FC236}">
+                    <a16:creationId xmlns:a16="http://schemas.microsoft.com/office/drawing/2014/main" id="{2C97217C-112F-662B-2E90-641DEFCAE367}"/>
+                  </a:ext>
+                </a:extLst>
+              </p:cNvPr>
+              <p:cNvSpPr txBox="1">
+                <a:spLocks noChangeArrowheads="1"/>
+              </p:cNvSpPr>
+              <p:nvPr/>
+            </p:nvSpPr>
+            <p:spPr bwMode="auto">
+              <a:xfrm>
+                <a:off x="2249488" y="1946275"/>
+                <a:ext cx="2239962" cy="643049"/>
+              </a:xfrm>
+              <a:prstGeom prst="rect">
+                <a:avLst/>
+              </a:prstGeom>
+              <a:noFill/>
+              <a:ln>
+                <a:noFill/>
+              </a:ln>
+              <a:extLst>
+                <a:ext uri="{909E8E84-426E-40DD-AFC4-6F175D3DCCD1}">
+                  <a14:hiddenFill xmlns:a14="http://schemas.microsoft.com/office/drawing/2010/main">
+                    <a:solidFill>
+                      <a:srgbClr val="FFFFFF"/>
+                    </a:solidFill>
+                  </a14:hiddenFill>
+                </a:ext>
+                <a:ext uri="{91240B29-F687-4F45-9708-019B960494DF}">
+                  <a14:hiddenLine xmlns:a14="http://schemas.microsoft.com/office/drawing/2010/main" w="9525">
+                    <a:solidFill>
+                      <a:srgbClr val="000000"/>
+                    </a:solidFill>
+                    <a:miter lim="800000"/>
+                    <a:headEnd/>
+                    <a:tailEnd/>
+                  </a14:hiddenLine>
+                </a:ext>
+              </a:extLst>
+            </p:spPr>
+            <p:txBody>
+              <a:bodyPr>
+                <a:spAutoFit/>
+              </a:bodyPr>
+              <a:lstStyle>
+                <a:lvl1pPr>
+                  <a:defRPr>
+                    <a:solidFill>
+                      <a:schemeClr val="tx1"/>
+                    </a:solidFill>
+                    <a:latin typeface="Calibri" panose="020F0502020204030204" pitchFamily="34" charset="0"/>
+                  </a:defRPr>
+                </a:lvl1pPr>
+                <a:lvl2pPr marL="742950" indent="-285750">
+                  <a:defRPr>
+                    <a:solidFill>
+                      <a:schemeClr val="tx1"/>
+                    </a:solidFill>
+                    <a:latin typeface="Calibri" panose="020F0502020204030204" pitchFamily="34" charset="0"/>
+                  </a:defRPr>
+                </a:lvl2pPr>
+                <a:lvl3pPr marL="1143000" indent="-228600">
+                  <a:defRPr>
+                    <a:solidFill>
+                      <a:schemeClr val="tx1"/>
+                    </a:solidFill>
+                    <a:latin typeface="Calibri" panose="020F0502020204030204" pitchFamily="34" charset="0"/>
+                  </a:defRPr>
+                </a:lvl3pPr>
+                <a:lvl4pPr marL="1600200" indent="-228600">
+                  <a:defRPr>
+                    <a:solidFill>
+                      <a:schemeClr val="tx1"/>
+                    </a:solidFill>
+                    <a:latin typeface="Calibri" panose="020F0502020204030204" pitchFamily="34" charset="0"/>
+                  </a:defRPr>
+                </a:lvl4pPr>
+                <a:lvl5pPr marL="2057400" indent="-228600">
+                  <a:defRPr>
+                    <a:solidFill>
+                      <a:schemeClr val="tx1"/>
+                    </a:solidFill>
+                    <a:latin typeface="Calibri" panose="020F0502020204030204" pitchFamily="34" charset="0"/>
+                  </a:defRPr>
+                </a:lvl5pPr>
+                <a:lvl6pPr marL="2514600" indent="-228600" eaLnBrk="0" fontAlgn="base" hangingPunct="0">
+                  <a:spcBef>
+                    <a:spcPct val="0"/>
+                  </a:spcBef>
+                  <a:spcAft>
+                    <a:spcPct val="0"/>
+                  </a:spcAft>
+                  <a:defRPr>
+                    <a:solidFill>
+                      <a:schemeClr val="tx1"/>
+                    </a:solidFill>
+                    <a:latin typeface="Calibri" panose="020F0502020204030204" pitchFamily="34" charset="0"/>
+                  </a:defRPr>
+                </a:lvl6pPr>
+                <a:lvl7pPr marL="2971800" indent="-228600" eaLnBrk="0" fontAlgn="base" hangingPunct="0">
+                  <a:spcBef>
+                    <a:spcPct val="0"/>
+                  </a:spcBef>
+                  <a:spcAft>
+                    <a:spcPct val="0"/>
+                  </a:spcAft>
+                  <a:defRPr>
+                    <a:solidFill>
+                      <a:schemeClr val="tx1"/>
+                    </a:solidFill>
+                    <a:latin typeface="Calibri" panose="020F0502020204030204" pitchFamily="34" charset="0"/>
+                  </a:defRPr>
+                </a:lvl7pPr>
+                <a:lvl8pPr marL="3429000" indent="-228600" eaLnBrk="0" fontAlgn="base" hangingPunct="0">
+                  <a:spcBef>
+                    <a:spcPct val="0"/>
+                  </a:spcBef>
+                  <a:spcAft>
+                    <a:spcPct val="0"/>
+                  </a:spcAft>
+                  <a:defRPr>
+                    <a:solidFill>
+                      <a:schemeClr val="tx1"/>
+                    </a:solidFill>
+                    <a:latin typeface="Calibri" panose="020F0502020204030204" pitchFamily="34" charset="0"/>
+                  </a:defRPr>
+                </a:lvl8pPr>
+                <a:lvl9pPr marL="3886200" indent="-228600" eaLnBrk="0" fontAlgn="base" hangingPunct="0">
+                  <a:spcBef>
+                    <a:spcPct val="0"/>
+                  </a:spcBef>
+                  <a:spcAft>
+                    <a:spcPct val="0"/>
+                  </a:spcAft>
+                  <a:defRPr>
+                    <a:solidFill>
+                      <a:schemeClr val="tx1"/>
+                    </a:solidFill>
+                    <a:latin typeface="Calibri" panose="020F0502020204030204" pitchFamily="34" charset="0"/>
+                  </a:defRPr>
+                </a:lvl9pPr>
+              </a:lstStyle>
+              <a:p>
+                <a:pPr algn="ctr" eaLnBrk="1" hangingPunct="1"/>
+                <a:r>
+                  <a:rPr lang="en-US" altLang="en-US" sz="1200" dirty="0">
+                    <a:latin typeface="Arial" panose="020B0604020202020204" pitchFamily="34" charset="0"/>
+                    <a:ea typeface="Amazon Ember" panose="020B0603020204020204" pitchFamily="34" charset="0"/>
+                    <a:cs typeface="Arial" panose="020B0604020202020204" pitchFamily="34" charset="0"/>
+                  </a:rPr>
+                  <a:t>Amazon S3</a:t>
+                </a:r>
+              </a:p>
+              <a:p>
+                <a:pPr algn="ctr" eaLnBrk="1" hangingPunct="1"/>
+                <a:r>
+                  <a:rPr lang="en-US" altLang="en-US" sz="1200" dirty="0">
+                    <a:latin typeface="Arial" panose="020B0604020202020204" pitchFamily="34" charset="0"/>
+                    <a:ea typeface="Amazon Ember" panose="020B0603020204020204" pitchFamily="34" charset="0"/>
+                    <a:cs typeface="Arial" panose="020B0604020202020204" pitchFamily="34" charset="0"/>
+                  </a:rPr>
+                  <a:t>- Web Hosting</a:t>
+                </a:r>
+              </a:p>
+            </p:txBody>
+          </p:sp>
+        </p:grpSp>
+        <p:grpSp>
+          <p:nvGrpSpPr>
+            <p:cNvPr id="16" name="グループ化 15">
+              <a:extLst>
+                <a:ext uri="{FF2B5EF4-FFF2-40B4-BE49-F238E27FC236}">
+                  <a16:creationId xmlns:a16="http://schemas.microsoft.com/office/drawing/2014/main" id="{3853D6F1-5216-6C1D-C38D-859F40C2E5AB}"/>
+                </a:ext>
+              </a:extLst>
+            </p:cNvPr>
+            <p:cNvGrpSpPr/>
+            <p:nvPr/>
+          </p:nvGrpSpPr>
+          <p:grpSpPr>
+            <a:xfrm>
+              <a:off x="2934738" y="2911529"/>
+              <a:ext cx="1645748" cy="745928"/>
+              <a:chOff x="4487863" y="1184275"/>
+              <a:chExt cx="2292350" cy="1038999"/>
+            </a:xfrm>
+          </p:grpSpPr>
+          <p:pic>
+            <p:nvPicPr>
+              <p:cNvPr id="14" name="Graphic 8" descr="AWS WAF service icon.">
+                <a:extLst>
+                  <a:ext uri="{FF2B5EF4-FFF2-40B4-BE49-F238E27FC236}">
+                    <a16:creationId xmlns:a16="http://schemas.microsoft.com/office/drawing/2014/main" id="{10789EB7-A9E9-CDF0-6D24-61E7835BE3DD}"/>
+                  </a:ext>
+                </a:extLst>
+              </p:cNvPr>
+              <p:cNvPicPr>
+                <a:picLocks noChangeAspect="1" noChangeArrowheads="1"/>
+              </p:cNvPicPr>
+              <p:nvPr/>
+            </p:nvPicPr>
+            <p:blipFill>
+              <a:blip r:embed="rId10">
+                <a:extLst>
+                  <a:ext uri="{96DAC541-7B7A-43D3-8B79-37D633B846F1}">
+                    <asvg:svgBlip xmlns:asvg="http://schemas.microsoft.com/office/drawing/2016/SVG/main" r:embed="rId11"/>
+                  </a:ext>
+                </a:extLst>
+              </a:blip>
+              <a:srcRect/>
+              <a:stretch/>
+            </p:blipFill>
+            <p:spPr bwMode="auto">
+              <a:xfrm>
+                <a:off x="5246688" y="1184275"/>
+                <a:ext cx="762000" cy="762000"/>
+              </a:xfrm>
+              <a:prstGeom prst="rect">
+                <a:avLst/>
+              </a:prstGeom>
+              <a:noFill/>
+              <a:ln>
+                <a:noFill/>
+              </a:ln>
+              <a:extLst>
+                <a:ext uri="{909E8E84-426E-40DD-AFC4-6F175D3DCCD1}">
+                  <a14:hiddenFill xmlns:a14="http://schemas.microsoft.com/office/drawing/2010/main">
+                    <a:solidFill>
+                      <a:srgbClr val="FFFFFF"/>
+                    </a:solidFill>
+                  </a14:hiddenFill>
+                </a:ext>
+                <a:ext uri="{91240B29-F687-4F45-9708-019B960494DF}">
+                  <a14:hiddenLine xmlns:a14="http://schemas.microsoft.com/office/drawing/2010/main" w="9525">
+                    <a:solidFill>
+                      <a:srgbClr val="000000"/>
+                    </a:solidFill>
+                    <a:miter lim="800000"/>
+                    <a:headEnd/>
+                    <a:tailEnd/>
+                  </a14:hiddenLine>
+                </a:ext>
+              </a:extLst>
+            </p:spPr>
+          </p:pic>
+          <p:sp>
+            <p:nvSpPr>
+              <p:cNvPr id="15" name="TextBox 11">
+                <a:extLst>
+                  <a:ext uri="{FF2B5EF4-FFF2-40B4-BE49-F238E27FC236}">
+                    <a16:creationId xmlns:a16="http://schemas.microsoft.com/office/drawing/2014/main" id="{CF3F845B-A02F-9716-61EC-2BADD562D71B}"/>
+                  </a:ext>
+                </a:extLst>
+              </p:cNvPr>
+              <p:cNvSpPr txBox="1">
+                <a:spLocks noChangeArrowheads="1"/>
+              </p:cNvSpPr>
+              <p:nvPr/>
+            </p:nvSpPr>
+            <p:spPr bwMode="auto">
+              <a:xfrm>
+                <a:off x="4487863" y="1946275"/>
+                <a:ext cx="2292350" cy="276999"/>
+              </a:xfrm>
+              <a:prstGeom prst="rect">
+                <a:avLst/>
+              </a:prstGeom>
+              <a:noFill/>
+              <a:ln>
+                <a:noFill/>
+              </a:ln>
+              <a:extLst>
+                <a:ext uri="{909E8E84-426E-40DD-AFC4-6F175D3DCCD1}">
+                  <a14:hiddenFill xmlns:a14="http://schemas.microsoft.com/office/drawing/2010/main">
+                    <a:solidFill>
+                      <a:srgbClr val="FFFFFF"/>
+                    </a:solidFill>
+                  </a14:hiddenFill>
+                </a:ext>
+                <a:ext uri="{91240B29-F687-4F45-9708-019B960494DF}">
+                  <a14:hiddenLine xmlns:a14="http://schemas.microsoft.com/office/drawing/2010/main" w="9525">
+                    <a:solidFill>
+                      <a:srgbClr val="000000"/>
+                    </a:solidFill>
+                    <a:miter lim="800000"/>
+                    <a:headEnd/>
+                    <a:tailEnd/>
+                  </a14:hiddenLine>
+                </a:ext>
+              </a:extLst>
+            </p:spPr>
+            <p:txBody>
+              <a:bodyPr>
+                <a:spAutoFit/>
+              </a:bodyPr>
+              <a:lstStyle>
+                <a:lvl1pPr>
+                  <a:defRPr>
+                    <a:solidFill>
+                      <a:schemeClr val="tx1"/>
+                    </a:solidFill>
+                    <a:latin typeface="Calibri" panose="020F0502020204030204" pitchFamily="34" charset="0"/>
+                  </a:defRPr>
+                </a:lvl1pPr>
+                <a:lvl2pPr marL="742950" indent="-285750">
+                  <a:defRPr>
+                    <a:solidFill>
+                      <a:schemeClr val="tx1"/>
+                    </a:solidFill>
+                    <a:latin typeface="Calibri" panose="020F0502020204030204" pitchFamily="34" charset="0"/>
+                  </a:defRPr>
+                </a:lvl2pPr>
+                <a:lvl3pPr marL="1143000" indent="-228600">
+                  <a:defRPr>
+                    <a:solidFill>
+                      <a:schemeClr val="tx1"/>
+                    </a:solidFill>
+                    <a:latin typeface="Calibri" panose="020F0502020204030204" pitchFamily="34" charset="0"/>
+                  </a:defRPr>
+                </a:lvl3pPr>
+                <a:lvl4pPr marL="1600200" indent="-228600">
+                  <a:defRPr>
+                    <a:solidFill>
+                      <a:schemeClr val="tx1"/>
+                    </a:solidFill>
+                    <a:latin typeface="Calibri" panose="020F0502020204030204" pitchFamily="34" charset="0"/>
+                  </a:defRPr>
+                </a:lvl4pPr>
+                <a:lvl5pPr marL="2057400" indent="-228600">
+                  <a:defRPr>
+                    <a:solidFill>
+                      <a:schemeClr val="tx1"/>
+                    </a:solidFill>
+                    <a:latin typeface="Calibri" panose="020F0502020204030204" pitchFamily="34" charset="0"/>
+                  </a:defRPr>
+                </a:lvl5pPr>
+                <a:lvl6pPr marL="2514600" indent="-228600" eaLnBrk="0" fontAlgn="base" hangingPunct="0">
+                  <a:spcBef>
+                    <a:spcPct val="0"/>
+                  </a:spcBef>
+                  <a:spcAft>
+                    <a:spcPct val="0"/>
+                  </a:spcAft>
+                  <a:defRPr>
+                    <a:solidFill>
+                      <a:schemeClr val="tx1"/>
+                    </a:solidFill>
+                    <a:latin typeface="Calibri" panose="020F0502020204030204" pitchFamily="34" charset="0"/>
+                  </a:defRPr>
+                </a:lvl6pPr>
+                <a:lvl7pPr marL="2971800" indent="-228600" eaLnBrk="0" fontAlgn="base" hangingPunct="0">
+                  <a:spcBef>
+                    <a:spcPct val="0"/>
+                  </a:spcBef>
+                  <a:spcAft>
+                    <a:spcPct val="0"/>
+                  </a:spcAft>
+                  <a:defRPr>
+                    <a:solidFill>
+                      <a:schemeClr val="tx1"/>
+                    </a:solidFill>
+                    <a:latin typeface="Calibri" panose="020F0502020204030204" pitchFamily="34" charset="0"/>
+                  </a:defRPr>
+                </a:lvl7pPr>
+                <a:lvl8pPr marL="3429000" indent="-228600" eaLnBrk="0" fontAlgn="base" hangingPunct="0">
+                  <a:spcBef>
+                    <a:spcPct val="0"/>
+                  </a:spcBef>
+                  <a:spcAft>
+                    <a:spcPct val="0"/>
+                  </a:spcAft>
+                  <a:defRPr>
+                    <a:solidFill>
+                      <a:schemeClr val="tx1"/>
+                    </a:solidFill>
+                    <a:latin typeface="Calibri" panose="020F0502020204030204" pitchFamily="34" charset="0"/>
+                  </a:defRPr>
+                </a:lvl8pPr>
+                <a:lvl9pPr marL="3886200" indent="-228600" eaLnBrk="0" fontAlgn="base" hangingPunct="0">
+                  <a:spcBef>
+                    <a:spcPct val="0"/>
+                  </a:spcBef>
+                  <a:spcAft>
+                    <a:spcPct val="0"/>
+                  </a:spcAft>
+                  <a:defRPr>
+                    <a:solidFill>
+                      <a:schemeClr val="tx1"/>
+                    </a:solidFill>
+                    <a:latin typeface="Calibri" panose="020F0502020204030204" pitchFamily="34" charset="0"/>
+                  </a:defRPr>
+                </a:lvl9pPr>
+              </a:lstStyle>
+              <a:p>
+                <a:pPr algn="ctr" eaLnBrk="1" hangingPunct="1"/>
+                <a:r>
+                  <a:rPr lang="en-US" altLang="en-US" sz="1200" dirty="0">
+                    <a:latin typeface="Arial" panose="020B0604020202020204" pitchFamily="34" charset="0"/>
+                    <a:ea typeface="Amazon Ember" panose="020B0603020204020204" pitchFamily="34" charset="0"/>
+                    <a:cs typeface="Arial" panose="020B0604020202020204" pitchFamily="34" charset="0"/>
+                  </a:rPr>
+                  <a:t>AWS WAF</a:t>
+                </a:r>
+              </a:p>
+            </p:txBody>
+          </p:sp>
+        </p:grpSp>
+        <p:grpSp>
+          <p:nvGrpSpPr>
+            <p:cNvPr id="19" name="グループ化 18">
+              <a:extLst>
+                <a:ext uri="{FF2B5EF4-FFF2-40B4-BE49-F238E27FC236}">
+                  <a16:creationId xmlns:a16="http://schemas.microsoft.com/office/drawing/2014/main" id="{467894BA-2CF2-DA6B-CE88-A983E76B7CE6}"/>
+                </a:ext>
+              </a:extLst>
+            </p:cNvPr>
+            <p:cNvGrpSpPr/>
+            <p:nvPr/>
+          </p:nvGrpSpPr>
+          <p:grpSpPr>
+            <a:xfrm>
+              <a:off x="2947845" y="4459783"/>
+              <a:ext cx="1610416" cy="824062"/>
+              <a:chOff x="2249488" y="1184275"/>
+              <a:chExt cx="2243137" cy="1147831"/>
+            </a:xfrm>
+          </p:grpSpPr>
+          <p:pic>
+            <p:nvPicPr>
+              <p:cNvPr id="17" name="Graphic 17" descr="Amazon CloudWatch service icon.">
+                <a:extLst>
+                  <a:ext uri="{FF2B5EF4-FFF2-40B4-BE49-F238E27FC236}">
+                    <a16:creationId xmlns:a16="http://schemas.microsoft.com/office/drawing/2014/main" id="{E3E5F106-F612-550B-9FEA-AB2945789068}"/>
+                  </a:ext>
+                </a:extLst>
+              </p:cNvPr>
+              <p:cNvPicPr>
+                <a:picLocks noChangeAspect="1" noChangeArrowheads="1"/>
+              </p:cNvPicPr>
+              <p:nvPr/>
+            </p:nvPicPr>
+            <p:blipFill>
+              <a:blip r:embed="rId12">
+                <a:extLst>
+                  <a:ext uri="{96DAC541-7B7A-43D3-8B79-37D633B846F1}">
+                    <asvg:svgBlip xmlns:asvg="http://schemas.microsoft.com/office/drawing/2016/SVG/main" r:embed="rId13"/>
+                  </a:ext>
+                </a:extLst>
+              </a:blip>
+              <a:srcRect/>
+              <a:stretch/>
+            </p:blipFill>
+            <p:spPr bwMode="auto">
+              <a:xfrm>
+                <a:off x="2989263" y="1184275"/>
+                <a:ext cx="762000" cy="762000"/>
+              </a:xfrm>
+              <a:prstGeom prst="rect">
+                <a:avLst/>
+              </a:prstGeom>
+              <a:noFill/>
+              <a:ln>
+                <a:noFill/>
+              </a:ln>
+              <a:extLst>
+                <a:ext uri="{909E8E84-426E-40DD-AFC4-6F175D3DCCD1}">
+                  <a14:hiddenFill xmlns:a14="http://schemas.microsoft.com/office/drawing/2010/main">
+                    <a:solidFill>
+                      <a:srgbClr val="FFFFFF"/>
+                    </a:solidFill>
+                  </a14:hiddenFill>
+                </a:ext>
+                <a:ext uri="{91240B29-F687-4F45-9708-019B960494DF}">
+                  <a14:hiddenLine xmlns:a14="http://schemas.microsoft.com/office/drawing/2010/main" w="9525">
+                    <a:solidFill>
+                      <a:srgbClr val="000000"/>
+                    </a:solidFill>
+                    <a:miter lim="800000"/>
+                    <a:headEnd/>
+                    <a:tailEnd/>
+                  </a14:hiddenLine>
+                </a:ext>
+              </a:extLst>
+            </p:spPr>
+          </p:pic>
+          <p:sp>
+            <p:nvSpPr>
+              <p:cNvPr id="18" name="TextBox 9">
+                <a:extLst>
+                  <a:ext uri="{FF2B5EF4-FFF2-40B4-BE49-F238E27FC236}">
+                    <a16:creationId xmlns:a16="http://schemas.microsoft.com/office/drawing/2014/main" id="{80276E34-C085-FC8B-8632-F191FAA064B1}"/>
+                  </a:ext>
+                </a:extLst>
+              </p:cNvPr>
+              <p:cNvSpPr txBox="1">
+                <a:spLocks noChangeArrowheads="1"/>
+              </p:cNvSpPr>
+              <p:nvPr/>
+            </p:nvSpPr>
+            <p:spPr bwMode="auto">
+              <a:xfrm>
+                <a:off x="2249488" y="1946276"/>
+                <a:ext cx="2243137" cy="385830"/>
+              </a:xfrm>
+              <a:prstGeom prst="rect">
+                <a:avLst/>
+              </a:prstGeom>
+              <a:noFill/>
+              <a:ln>
+                <a:noFill/>
+              </a:ln>
+              <a:extLst>
+                <a:ext uri="{909E8E84-426E-40DD-AFC4-6F175D3DCCD1}">
+                  <a14:hiddenFill xmlns:a14="http://schemas.microsoft.com/office/drawing/2010/main">
+                    <a:solidFill>
+                      <a:srgbClr val="FFFFFF"/>
+                    </a:solidFill>
+                  </a14:hiddenFill>
+                </a:ext>
+                <a:ext uri="{91240B29-F687-4F45-9708-019B960494DF}">
+                  <a14:hiddenLine xmlns:a14="http://schemas.microsoft.com/office/drawing/2010/main" w="9525">
+                    <a:solidFill>
+                      <a:srgbClr val="000000"/>
+                    </a:solidFill>
+                    <a:miter lim="800000"/>
+                    <a:headEnd/>
+                    <a:tailEnd/>
+                  </a14:hiddenLine>
+                </a:ext>
+              </a:extLst>
+            </p:spPr>
+            <p:txBody>
+              <a:bodyPr>
+                <a:spAutoFit/>
+              </a:bodyPr>
+              <a:lstStyle>
+                <a:lvl1pPr>
+                  <a:defRPr>
+                    <a:solidFill>
+                      <a:schemeClr val="tx1"/>
+                    </a:solidFill>
+                    <a:latin typeface="Calibri" panose="020F0502020204030204" pitchFamily="34" charset="0"/>
+                  </a:defRPr>
+                </a:lvl1pPr>
+                <a:lvl2pPr marL="742950" indent="-285750">
+                  <a:defRPr>
+                    <a:solidFill>
+                      <a:schemeClr val="tx1"/>
+                    </a:solidFill>
+                    <a:latin typeface="Calibri" panose="020F0502020204030204" pitchFamily="34" charset="0"/>
+                  </a:defRPr>
+                </a:lvl2pPr>
+                <a:lvl3pPr marL="1143000" indent="-228600">
+                  <a:defRPr>
+                    <a:solidFill>
+                      <a:schemeClr val="tx1"/>
+                    </a:solidFill>
+                    <a:latin typeface="Calibri" panose="020F0502020204030204" pitchFamily="34" charset="0"/>
+                  </a:defRPr>
+                </a:lvl3pPr>
+                <a:lvl4pPr marL="1600200" indent="-228600">
+                  <a:defRPr>
+                    <a:solidFill>
+                      <a:schemeClr val="tx1"/>
+                    </a:solidFill>
+                    <a:latin typeface="Calibri" panose="020F0502020204030204" pitchFamily="34" charset="0"/>
+                  </a:defRPr>
+                </a:lvl4pPr>
+                <a:lvl5pPr marL="2057400" indent="-228600">
+                  <a:defRPr>
+                    <a:solidFill>
+                      <a:schemeClr val="tx1"/>
+                    </a:solidFill>
+                    <a:latin typeface="Calibri" panose="020F0502020204030204" pitchFamily="34" charset="0"/>
+                  </a:defRPr>
+                </a:lvl5pPr>
+                <a:lvl6pPr marL="2514600" indent="-228600" eaLnBrk="0" fontAlgn="base" hangingPunct="0">
+                  <a:spcBef>
+                    <a:spcPct val="0"/>
+                  </a:spcBef>
+                  <a:spcAft>
+                    <a:spcPct val="0"/>
+                  </a:spcAft>
+                  <a:defRPr>
+                    <a:solidFill>
+                      <a:schemeClr val="tx1"/>
+                    </a:solidFill>
+                    <a:latin typeface="Calibri" panose="020F0502020204030204" pitchFamily="34" charset="0"/>
+                  </a:defRPr>
+                </a:lvl6pPr>
+                <a:lvl7pPr marL="2971800" indent="-228600" eaLnBrk="0" fontAlgn="base" hangingPunct="0">
+                  <a:spcBef>
+                    <a:spcPct val="0"/>
+                  </a:spcBef>
+                  <a:spcAft>
+                    <a:spcPct val="0"/>
+                  </a:spcAft>
+                  <a:defRPr>
+                    <a:solidFill>
+                      <a:schemeClr val="tx1"/>
+                    </a:solidFill>
+                    <a:latin typeface="Calibri" panose="020F0502020204030204" pitchFamily="34" charset="0"/>
+                  </a:defRPr>
+                </a:lvl7pPr>
+                <a:lvl8pPr marL="3429000" indent="-228600" eaLnBrk="0" fontAlgn="base" hangingPunct="0">
+                  <a:spcBef>
+                    <a:spcPct val="0"/>
+                  </a:spcBef>
+                  <a:spcAft>
+                    <a:spcPct val="0"/>
+                  </a:spcAft>
+                  <a:defRPr>
+                    <a:solidFill>
+                      <a:schemeClr val="tx1"/>
+                    </a:solidFill>
+                    <a:latin typeface="Calibri" panose="020F0502020204030204" pitchFamily="34" charset="0"/>
+                  </a:defRPr>
+                </a:lvl8pPr>
+                <a:lvl9pPr marL="3886200" indent="-228600" eaLnBrk="0" fontAlgn="base" hangingPunct="0">
+                  <a:spcBef>
+                    <a:spcPct val="0"/>
+                  </a:spcBef>
+                  <a:spcAft>
+                    <a:spcPct val="0"/>
+                  </a:spcAft>
+                  <a:defRPr>
+                    <a:solidFill>
+                      <a:schemeClr val="tx1"/>
+                    </a:solidFill>
+                    <a:latin typeface="Calibri" panose="020F0502020204030204" pitchFamily="34" charset="0"/>
+                  </a:defRPr>
+                </a:lvl9pPr>
+              </a:lstStyle>
+              <a:p>
+                <a:pPr algn="ctr" eaLnBrk="1" hangingPunct="1"/>
+                <a:r>
+                  <a:rPr lang="en-US" altLang="en-US" sz="1200" dirty="0">
+                    <a:latin typeface="Arial" panose="020B0604020202020204" pitchFamily="34" charset="0"/>
+                    <a:ea typeface="Amazon Ember" panose="020B0603020204020204" pitchFamily="34" charset="0"/>
+                    <a:cs typeface="Arial" panose="020B0604020202020204" pitchFamily="34" charset="0"/>
+                  </a:rPr>
+                  <a:t>Amazon CloudWatch</a:t>
+                </a:r>
+              </a:p>
+            </p:txBody>
+          </p:sp>
+        </p:grpSp>
+        <p:grpSp>
+          <p:nvGrpSpPr>
+            <p:cNvPr id="22" name="グループ化 21">
+              <a:extLst>
+                <a:ext uri="{FF2B5EF4-FFF2-40B4-BE49-F238E27FC236}">
+                  <a16:creationId xmlns:a16="http://schemas.microsoft.com/office/drawing/2014/main" id="{F849136D-DB71-EF00-C4D9-B9D62438BAE8}"/>
+                </a:ext>
+              </a:extLst>
+            </p:cNvPr>
+            <p:cNvGrpSpPr/>
+            <p:nvPr/>
+          </p:nvGrpSpPr>
+          <p:grpSpPr>
+            <a:xfrm>
+              <a:off x="5682928" y="4464651"/>
+              <a:ext cx="1896291" cy="824062"/>
+              <a:chOff x="2044418" y="1184275"/>
+              <a:chExt cx="2641330" cy="1147831"/>
+            </a:xfrm>
+          </p:grpSpPr>
+          <p:pic>
+            <p:nvPicPr>
+              <p:cNvPr id="20" name="Graphic 7" descr="Amazon API Gateway service icon.">
+                <a:extLst>
+                  <a:ext uri="{FF2B5EF4-FFF2-40B4-BE49-F238E27FC236}">
+                    <a16:creationId xmlns:a16="http://schemas.microsoft.com/office/drawing/2014/main" id="{724C6C7A-F4E9-6B06-4E7F-704E09971BD5}"/>
+                  </a:ext>
+                </a:extLst>
+              </p:cNvPr>
+              <p:cNvPicPr>
+                <a:picLocks noChangeAspect="1" noChangeArrowheads="1"/>
+              </p:cNvPicPr>
+              <p:nvPr/>
+            </p:nvPicPr>
+            <p:blipFill>
+              <a:blip r:embed="rId14">
+                <a:extLst>
+                  <a:ext uri="{96DAC541-7B7A-43D3-8B79-37D633B846F1}">
+                    <asvg:svgBlip xmlns:asvg="http://schemas.microsoft.com/office/drawing/2016/SVG/main" r:embed="rId15"/>
+                  </a:ext>
+                </a:extLst>
+              </a:blip>
+              <a:srcRect/>
+              <a:stretch/>
+            </p:blipFill>
+            <p:spPr bwMode="auto">
+              <a:xfrm>
+                <a:off x="2989263" y="1184275"/>
+                <a:ext cx="762000" cy="762000"/>
+              </a:xfrm>
+              <a:prstGeom prst="rect">
+                <a:avLst/>
+              </a:prstGeom>
+              <a:noFill/>
+              <a:ln>
+                <a:noFill/>
+              </a:ln>
+              <a:extLst>
+                <a:ext uri="{909E8E84-426E-40DD-AFC4-6F175D3DCCD1}">
+                  <a14:hiddenFill xmlns:a14="http://schemas.microsoft.com/office/drawing/2010/main">
+                    <a:solidFill>
+                      <a:srgbClr val="FFFFFF"/>
+                    </a:solidFill>
+                  </a14:hiddenFill>
+                </a:ext>
+                <a:ext uri="{91240B29-F687-4F45-9708-019B960494DF}">
+                  <a14:hiddenLine xmlns:a14="http://schemas.microsoft.com/office/drawing/2010/main" w="9525">
+                    <a:solidFill>
+                      <a:srgbClr val="000000"/>
+                    </a:solidFill>
+                    <a:miter lim="800000"/>
+                    <a:headEnd/>
+                    <a:tailEnd/>
+                  </a14:hiddenLine>
+                </a:ext>
+              </a:extLst>
+            </p:spPr>
+          </p:pic>
+          <p:sp>
+            <p:nvSpPr>
+              <p:cNvPr id="21" name="TextBox 9">
+                <a:extLst>
+                  <a:ext uri="{FF2B5EF4-FFF2-40B4-BE49-F238E27FC236}">
+                    <a16:creationId xmlns:a16="http://schemas.microsoft.com/office/drawing/2014/main" id="{BB82D557-C4DF-3864-159F-75ED1558DFDC}"/>
+                  </a:ext>
+                </a:extLst>
+              </p:cNvPr>
+              <p:cNvSpPr txBox="1">
+                <a:spLocks noChangeArrowheads="1"/>
+              </p:cNvSpPr>
+              <p:nvPr/>
+            </p:nvSpPr>
+            <p:spPr bwMode="auto">
+              <a:xfrm>
+                <a:off x="2044418" y="1946276"/>
+                <a:ext cx="2641330" cy="385830"/>
+              </a:xfrm>
+              <a:prstGeom prst="rect">
+                <a:avLst/>
+              </a:prstGeom>
+              <a:noFill/>
+              <a:ln>
+                <a:noFill/>
+              </a:ln>
+              <a:extLst>
+                <a:ext uri="{909E8E84-426E-40DD-AFC4-6F175D3DCCD1}">
+                  <a14:hiddenFill xmlns:a14="http://schemas.microsoft.com/office/drawing/2010/main">
+                    <a:solidFill>
+                      <a:srgbClr val="FFFFFF"/>
+                    </a:solidFill>
+                  </a14:hiddenFill>
+                </a:ext>
+                <a:ext uri="{91240B29-F687-4F45-9708-019B960494DF}">
+                  <a14:hiddenLine xmlns:a14="http://schemas.microsoft.com/office/drawing/2010/main" w="9525">
+                    <a:solidFill>
+                      <a:srgbClr val="000000"/>
+                    </a:solidFill>
+                    <a:miter lim="800000"/>
+                    <a:headEnd/>
+                    <a:tailEnd/>
+                  </a14:hiddenLine>
+                </a:ext>
+              </a:extLst>
+            </p:spPr>
+            <p:txBody>
+              <a:bodyPr wrap="square">
+                <a:spAutoFit/>
+              </a:bodyPr>
+              <a:lstStyle>
+                <a:lvl1pPr>
+                  <a:defRPr>
+                    <a:solidFill>
+                      <a:schemeClr val="tx1"/>
+                    </a:solidFill>
+                    <a:latin typeface="Calibri" panose="020F0502020204030204" pitchFamily="34" charset="0"/>
+                  </a:defRPr>
+                </a:lvl1pPr>
+                <a:lvl2pPr marL="742950" indent="-285750">
+                  <a:defRPr>
+                    <a:solidFill>
+                      <a:schemeClr val="tx1"/>
+                    </a:solidFill>
+                    <a:latin typeface="Calibri" panose="020F0502020204030204" pitchFamily="34" charset="0"/>
+                  </a:defRPr>
+                </a:lvl2pPr>
+                <a:lvl3pPr marL="1143000" indent="-228600">
+                  <a:defRPr>
+                    <a:solidFill>
+                      <a:schemeClr val="tx1"/>
+                    </a:solidFill>
+                    <a:latin typeface="Calibri" panose="020F0502020204030204" pitchFamily="34" charset="0"/>
+                  </a:defRPr>
+                </a:lvl3pPr>
+                <a:lvl4pPr marL="1600200" indent="-228600">
+                  <a:defRPr>
+                    <a:solidFill>
+                      <a:schemeClr val="tx1"/>
+                    </a:solidFill>
+                    <a:latin typeface="Calibri" panose="020F0502020204030204" pitchFamily="34" charset="0"/>
+                  </a:defRPr>
+                </a:lvl4pPr>
+                <a:lvl5pPr marL="2057400" indent="-228600">
+                  <a:defRPr>
+                    <a:solidFill>
+                      <a:schemeClr val="tx1"/>
+                    </a:solidFill>
+                    <a:latin typeface="Calibri" panose="020F0502020204030204" pitchFamily="34" charset="0"/>
+                  </a:defRPr>
+                </a:lvl5pPr>
+                <a:lvl6pPr marL="2514600" indent="-228600" eaLnBrk="0" fontAlgn="base" hangingPunct="0">
+                  <a:spcBef>
+                    <a:spcPct val="0"/>
+                  </a:spcBef>
+                  <a:spcAft>
+                    <a:spcPct val="0"/>
+                  </a:spcAft>
+                  <a:defRPr>
+                    <a:solidFill>
+                      <a:schemeClr val="tx1"/>
+                    </a:solidFill>
+                    <a:latin typeface="Calibri" panose="020F0502020204030204" pitchFamily="34" charset="0"/>
+                  </a:defRPr>
+                </a:lvl6pPr>
+                <a:lvl7pPr marL="2971800" indent="-228600" eaLnBrk="0" fontAlgn="base" hangingPunct="0">
+                  <a:spcBef>
+                    <a:spcPct val="0"/>
+                  </a:spcBef>
+                  <a:spcAft>
+                    <a:spcPct val="0"/>
+                  </a:spcAft>
+                  <a:defRPr>
+                    <a:solidFill>
+                      <a:schemeClr val="tx1"/>
+                    </a:solidFill>
+                    <a:latin typeface="Calibri" panose="020F0502020204030204" pitchFamily="34" charset="0"/>
+                  </a:defRPr>
+                </a:lvl7pPr>
+                <a:lvl8pPr marL="3429000" indent="-228600" eaLnBrk="0" fontAlgn="base" hangingPunct="0">
+                  <a:spcBef>
+                    <a:spcPct val="0"/>
+                  </a:spcBef>
+                  <a:spcAft>
+                    <a:spcPct val="0"/>
+                  </a:spcAft>
+                  <a:defRPr>
+                    <a:solidFill>
+                      <a:schemeClr val="tx1"/>
+                    </a:solidFill>
+                    <a:latin typeface="Calibri" panose="020F0502020204030204" pitchFamily="34" charset="0"/>
+                  </a:defRPr>
+                </a:lvl8pPr>
+                <a:lvl9pPr marL="3886200" indent="-228600" eaLnBrk="0" fontAlgn="base" hangingPunct="0">
+                  <a:spcBef>
+                    <a:spcPct val="0"/>
+                  </a:spcBef>
+                  <a:spcAft>
+                    <a:spcPct val="0"/>
+                  </a:spcAft>
+                  <a:defRPr>
+                    <a:solidFill>
+                      <a:schemeClr val="tx1"/>
+                    </a:solidFill>
+                    <a:latin typeface="Calibri" panose="020F0502020204030204" pitchFamily="34" charset="0"/>
+                  </a:defRPr>
+                </a:lvl9pPr>
+              </a:lstStyle>
+              <a:p>
+                <a:pPr algn="ctr" eaLnBrk="1" hangingPunct="1"/>
+                <a:r>
+                  <a:rPr lang="en-US" altLang="en-US" sz="1200" dirty="0">
+                    <a:latin typeface="Arial" panose="020B0604020202020204" pitchFamily="34" charset="0"/>
+                    <a:ea typeface="Amazon Ember" panose="020B0603020204020204" pitchFamily="34" charset="0"/>
+                    <a:cs typeface="Arial" panose="020B0604020202020204" pitchFamily="34" charset="0"/>
+                  </a:rPr>
+                  <a:t>Amazon API Gateway</a:t>
+                </a:r>
+              </a:p>
+            </p:txBody>
+          </p:sp>
+        </p:grpSp>
+        <p:grpSp>
+          <p:nvGrpSpPr>
+            <p:cNvPr id="25" name="グループ化 24">
+              <a:extLst>
+                <a:ext uri="{FF2B5EF4-FFF2-40B4-BE49-F238E27FC236}">
+                  <a16:creationId xmlns:a16="http://schemas.microsoft.com/office/drawing/2014/main" id="{553C9113-1ADD-5790-434E-B65873586936}"/>
+                </a:ext>
+              </a:extLst>
+            </p:cNvPr>
+            <p:cNvGrpSpPr/>
+            <p:nvPr/>
+          </p:nvGrpSpPr>
+          <p:grpSpPr>
+            <a:xfrm>
+              <a:off x="7343679" y="4464651"/>
+              <a:ext cx="1645748" cy="745358"/>
+              <a:chOff x="4487863" y="1185069"/>
+              <a:chExt cx="2292350" cy="1038205"/>
+            </a:xfrm>
+          </p:grpSpPr>
+          <p:pic>
+            <p:nvPicPr>
+              <p:cNvPr id="23" name="Graphic 10" descr="AWS Lambda service icon.">
+                <a:extLst>
+                  <a:ext uri="{FF2B5EF4-FFF2-40B4-BE49-F238E27FC236}">
+                    <a16:creationId xmlns:a16="http://schemas.microsoft.com/office/drawing/2014/main" id="{641A025E-0153-F007-7C20-B74569914DAF}"/>
+                  </a:ext>
+                </a:extLst>
+              </p:cNvPr>
+              <p:cNvPicPr>
+                <a:picLocks noChangeAspect="1" noChangeArrowheads="1"/>
+              </p:cNvPicPr>
+              <p:nvPr/>
+            </p:nvPicPr>
+            <p:blipFill>
+              <a:blip r:embed="rId16">
+                <a:extLst>
+                  <a:ext uri="{96DAC541-7B7A-43D3-8B79-37D633B846F1}">
+                    <asvg:svgBlip xmlns:asvg="http://schemas.microsoft.com/office/drawing/2016/SVG/main" r:embed="rId17"/>
+                  </a:ext>
+                </a:extLst>
+              </a:blip>
+              <a:srcRect/>
+              <a:stretch/>
+            </p:blipFill>
+            <p:spPr bwMode="auto">
+              <a:xfrm>
+                <a:off x="5246688" y="1185069"/>
+                <a:ext cx="762000" cy="762000"/>
+              </a:xfrm>
+              <a:prstGeom prst="rect">
+                <a:avLst/>
+              </a:prstGeom>
+              <a:noFill/>
+              <a:ln>
+                <a:noFill/>
+              </a:ln>
+              <a:extLst>
+                <a:ext uri="{909E8E84-426E-40DD-AFC4-6F175D3DCCD1}">
+                  <a14:hiddenFill xmlns:a14="http://schemas.microsoft.com/office/drawing/2010/main">
+                    <a:solidFill>
+                      <a:srgbClr val="FFFFFF"/>
+                    </a:solidFill>
+                  </a14:hiddenFill>
+                </a:ext>
+                <a:ext uri="{91240B29-F687-4F45-9708-019B960494DF}">
+                  <a14:hiddenLine xmlns:a14="http://schemas.microsoft.com/office/drawing/2010/main" w="9525">
+                    <a:solidFill>
+                      <a:srgbClr val="000000"/>
+                    </a:solidFill>
+                    <a:miter lim="800000"/>
+                    <a:headEnd/>
+                    <a:tailEnd/>
+                  </a14:hiddenLine>
+                </a:ext>
+              </a:extLst>
+            </p:spPr>
+          </p:pic>
+          <p:sp>
+            <p:nvSpPr>
+              <p:cNvPr id="24" name="TextBox 20">
+                <a:extLst>
+                  <a:ext uri="{FF2B5EF4-FFF2-40B4-BE49-F238E27FC236}">
+                    <a16:creationId xmlns:a16="http://schemas.microsoft.com/office/drawing/2014/main" id="{4F33CB9A-0A7F-89F1-66D9-7BFFF17E4402}"/>
+                  </a:ext>
+                </a:extLst>
+              </p:cNvPr>
+              <p:cNvSpPr txBox="1">
+                <a:spLocks noChangeArrowheads="1"/>
+              </p:cNvSpPr>
+              <p:nvPr/>
+            </p:nvSpPr>
+            <p:spPr bwMode="auto">
+              <a:xfrm>
+                <a:off x="4487863" y="1946275"/>
+                <a:ext cx="2292350" cy="276999"/>
+              </a:xfrm>
+              <a:prstGeom prst="rect">
+                <a:avLst/>
+              </a:prstGeom>
+              <a:noFill/>
+              <a:ln>
+                <a:noFill/>
+              </a:ln>
+              <a:extLst>
+                <a:ext uri="{909E8E84-426E-40DD-AFC4-6F175D3DCCD1}">
+                  <a14:hiddenFill xmlns:a14="http://schemas.microsoft.com/office/drawing/2010/main">
+                    <a:solidFill>
+                      <a:srgbClr val="FFFFFF"/>
+                    </a:solidFill>
+                  </a14:hiddenFill>
+                </a:ext>
+                <a:ext uri="{91240B29-F687-4F45-9708-019B960494DF}">
+                  <a14:hiddenLine xmlns:a14="http://schemas.microsoft.com/office/drawing/2010/main" w="9525">
+                    <a:solidFill>
+                      <a:srgbClr val="000000"/>
+                    </a:solidFill>
+                    <a:miter lim="800000"/>
+                    <a:headEnd/>
+                    <a:tailEnd/>
+                  </a14:hiddenLine>
+                </a:ext>
+              </a:extLst>
+            </p:spPr>
+            <p:txBody>
+              <a:bodyPr>
+                <a:spAutoFit/>
+              </a:bodyPr>
+              <a:lstStyle>
+                <a:lvl1pPr>
+                  <a:defRPr>
+                    <a:solidFill>
+                      <a:schemeClr val="tx1"/>
+                    </a:solidFill>
+                    <a:latin typeface="Calibri" panose="020F0502020204030204" pitchFamily="34" charset="0"/>
+                  </a:defRPr>
+                </a:lvl1pPr>
+                <a:lvl2pPr marL="742950" indent="-285750">
+                  <a:defRPr>
+                    <a:solidFill>
+                      <a:schemeClr val="tx1"/>
+                    </a:solidFill>
+                    <a:latin typeface="Calibri" panose="020F0502020204030204" pitchFamily="34" charset="0"/>
+                  </a:defRPr>
+                </a:lvl2pPr>
+                <a:lvl3pPr marL="1143000" indent="-228600">
+                  <a:defRPr>
+                    <a:solidFill>
+                      <a:schemeClr val="tx1"/>
+                    </a:solidFill>
+                    <a:latin typeface="Calibri" panose="020F0502020204030204" pitchFamily="34" charset="0"/>
+                  </a:defRPr>
+                </a:lvl3pPr>
+                <a:lvl4pPr marL="1600200" indent="-228600">
+                  <a:defRPr>
+                    <a:solidFill>
+                      <a:schemeClr val="tx1"/>
+                    </a:solidFill>
+                    <a:latin typeface="Calibri" panose="020F0502020204030204" pitchFamily="34" charset="0"/>
+                  </a:defRPr>
+                </a:lvl4pPr>
+                <a:lvl5pPr marL="2057400" indent="-228600">
+                  <a:defRPr>
+                    <a:solidFill>
+                      <a:schemeClr val="tx1"/>
+                    </a:solidFill>
+                    <a:latin typeface="Calibri" panose="020F0502020204030204" pitchFamily="34" charset="0"/>
+                  </a:defRPr>
+                </a:lvl5pPr>
+                <a:lvl6pPr marL="2514600" indent="-228600" eaLnBrk="0" fontAlgn="base" hangingPunct="0">
+                  <a:spcBef>
+                    <a:spcPct val="0"/>
+                  </a:spcBef>
+                  <a:spcAft>
+                    <a:spcPct val="0"/>
+                  </a:spcAft>
+                  <a:defRPr>
+                    <a:solidFill>
+                      <a:schemeClr val="tx1"/>
+                    </a:solidFill>
+                    <a:latin typeface="Calibri" panose="020F0502020204030204" pitchFamily="34" charset="0"/>
+                  </a:defRPr>
+                </a:lvl6pPr>
+                <a:lvl7pPr marL="2971800" indent="-228600" eaLnBrk="0" fontAlgn="base" hangingPunct="0">
+                  <a:spcBef>
+                    <a:spcPct val="0"/>
+                  </a:spcBef>
+                  <a:spcAft>
+                    <a:spcPct val="0"/>
+                  </a:spcAft>
+                  <a:defRPr>
+                    <a:solidFill>
+                      <a:schemeClr val="tx1"/>
+                    </a:solidFill>
+                    <a:latin typeface="Calibri" panose="020F0502020204030204" pitchFamily="34" charset="0"/>
+                  </a:defRPr>
+                </a:lvl7pPr>
+                <a:lvl8pPr marL="3429000" indent="-228600" eaLnBrk="0" fontAlgn="base" hangingPunct="0">
+                  <a:spcBef>
+                    <a:spcPct val="0"/>
+                  </a:spcBef>
+                  <a:spcAft>
+                    <a:spcPct val="0"/>
+                  </a:spcAft>
+                  <a:defRPr>
+                    <a:solidFill>
+                      <a:schemeClr val="tx1"/>
+                    </a:solidFill>
+                    <a:latin typeface="Calibri" panose="020F0502020204030204" pitchFamily="34" charset="0"/>
+                  </a:defRPr>
+                </a:lvl8pPr>
+                <a:lvl9pPr marL="3886200" indent="-228600" eaLnBrk="0" fontAlgn="base" hangingPunct="0">
+                  <a:spcBef>
+                    <a:spcPct val="0"/>
+                  </a:spcBef>
+                  <a:spcAft>
+                    <a:spcPct val="0"/>
+                  </a:spcAft>
+                  <a:defRPr>
+                    <a:solidFill>
+                      <a:schemeClr val="tx1"/>
+                    </a:solidFill>
+                    <a:latin typeface="Calibri" panose="020F0502020204030204" pitchFamily="34" charset="0"/>
+                  </a:defRPr>
+                </a:lvl9pPr>
+              </a:lstStyle>
+              <a:p>
+                <a:pPr algn="ctr" eaLnBrk="1" hangingPunct="1"/>
+                <a:r>
+                  <a:rPr lang="en-US" altLang="en-US" sz="1200" dirty="0">
+                    <a:latin typeface="Arial" panose="020B0604020202020204" pitchFamily="34" charset="0"/>
+                    <a:ea typeface="Amazon Ember" panose="020B0603020204020204" pitchFamily="34" charset="0"/>
+                    <a:cs typeface="Arial" panose="020B0604020202020204" pitchFamily="34" charset="0"/>
+                  </a:rPr>
+                  <a:t>AWS Lambda</a:t>
+                </a:r>
+              </a:p>
+            </p:txBody>
+          </p:sp>
+        </p:grpSp>
+        <p:sp>
+          <p:nvSpPr>
+            <p:cNvPr id="26" name="正方形/長方形 25">
+              <a:extLst>
+                <a:ext uri="{FF2B5EF4-FFF2-40B4-BE49-F238E27FC236}">
+                  <a16:creationId xmlns:a16="http://schemas.microsoft.com/office/drawing/2014/main" id="{39E0E28F-0816-CBBE-9AC1-7E27401F4284}"/>
+                </a:ext>
+              </a:extLst>
+            </p:cNvPr>
+            <p:cNvSpPr/>
+            <p:nvPr/>
+          </p:nvSpPr>
+          <p:spPr>
+            <a:xfrm>
+              <a:off x="3051473" y="2179475"/>
+              <a:ext cx="4527746" cy="1865873"/>
+            </a:xfrm>
+            <a:prstGeom prst="rect">
+              <a:avLst/>
+            </a:prstGeom>
+            <a:noFill/>
+            <a:ln w="19050">
+              <a:solidFill>
+                <a:srgbClr val="DD344C"/>
+              </a:solidFill>
+            </a:ln>
+          </p:spPr>
+          <p:style>
+            <a:lnRef idx="2">
+              <a:schemeClr val="accent1">
+                <a:shade val="15000"/>
+              </a:schemeClr>
+            </a:lnRef>
+            <a:fillRef idx="1">
+              <a:schemeClr val="accent1"/>
+            </a:fillRef>
+            <a:effectRef idx="0">
+              <a:schemeClr val="accent1"/>
+            </a:effectRef>
+            <a:fontRef idx="minor">
+              <a:schemeClr val="lt1"/>
+            </a:fontRef>
+          </p:style>
+          <p:txBody>
+            <a:bodyPr rtlCol="0" anchor="ctr"/>
+            <a:lstStyle/>
+            <a:p>
+              <a:pPr algn="ctr"/>
+              <a:endParaRPr kumimoji="1" lang="ja-JP" altLang="en-US"/>
+            </a:p>
+          </p:txBody>
+        </p:sp>
+        <p:pic>
+          <p:nvPicPr>
+            <p:cNvPr id="27" name="Picture 2" descr="Githubのアイコンを無料でダウンロード">
+              <a:extLst>
+                <a:ext uri="{FF2B5EF4-FFF2-40B4-BE49-F238E27FC236}">
+                  <a16:creationId xmlns:a16="http://schemas.microsoft.com/office/drawing/2014/main" id="{48AE14FF-C678-905A-C87A-884014617BF0}"/>
+                </a:ext>
+              </a:extLst>
+            </p:cNvPr>
+            <p:cNvPicPr>
+              <a:picLocks noChangeAspect="1" noChangeArrowheads="1"/>
+            </p:cNvPicPr>
+            <p:nvPr/>
+          </p:nvPicPr>
+          <p:blipFill>
+            <a:blip r:embed="rId18">
+              <a:extLst>
+                <a:ext uri="{28A0092B-C50C-407E-A947-70E740481C1C}">
+                  <a14:useLocalDpi xmlns:a14="http://schemas.microsoft.com/office/drawing/2010/main" val="0"/>
+                </a:ext>
+              </a:extLst>
+            </a:blip>
+            <a:srcRect/>
+            <a:stretch>
+              <a:fillRect/>
+            </a:stretch>
+          </p:blipFill>
+          <p:spPr bwMode="auto">
+            <a:xfrm>
+              <a:off x="6367666" y="676933"/>
+              <a:ext cx="536494" cy="536494"/>
+            </a:xfrm>
+            <a:prstGeom prst="rect">
+              <a:avLst/>
+            </a:prstGeom>
+            <a:noFill/>
+            <a:extLst>
+              <a:ext uri="{909E8E84-426E-40DD-AFC4-6F175D3DCCD1}">
+                <a14:hiddenFill xmlns:a14="http://schemas.microsoft.com/office/drawing/2010/main">
+                  <a:solidFill>
+                    <a:srgbClr val="FFFFFF"/>
+                  </a:solidFill>
+                </a14:hiddenFill>
+              </a:ext>
+            </a:extLst>
+          </p:spPr>
+        </p:pic>
+        <p:pic>
+          <p:nvPicPr>
+            <p:cNvPr id="28" name="Graphic 68" descr="Client resource icon for the General Icons category.">
+              <a:extLst>
+                <a:ext uri="{FF2B5EF4-FFF2-40B4-BE49-F238E27FC236}">
+                  <a16:creationId xmlns:a16="http://schemas.microsoft.com/office/drawing/2014/main" id="{B685CFBF-A450-45F6-77F7-312F624898CA}"/>
+                </a:ext>
+              </a:extLst>
+            </p:cNvPr>
+            <p:cNvPicPr>
+              <a:picLocks noChangeAspect="1"/>
+            </p:cNvPicPr>
+            <p:nvPr/>
+          </p:nvPicPr>
+          <p:blipFill>
+            <a:blip r:embed="rId19">
+              <a:extLst>
+                <a:ext uri="{96DAC541-7B7A-43D3-8B79-37D633B846F1}">
+                  <asvg:svgBlip xmlns:asvg="http://schemas.microsoft.com/office/drawing/2016/SVG/main" r:embed="rId20"/>
+                </a:ext>
+              </a:extLst>
+            </a:blip>
+            <a:stretch>
+              <a:fillRect/>
+            </a:stretch>
+          </p:blipFill>
+          <p:spPr>
+            <a:xfrm>
+              <a:off x="5051172" y="716493"/>
+              <a:ext cx="457200" cy="457200"/>
+            </a:xfrm>
+            <a:prstGeom prst="rect">
+              <a:avLst/>
+            </a:prstGeom>
+          </p:spPr>
+        </p:pic>
+        <p:sp>
+          <p:nvSpPr>
+            <p:cNvPr id="29" name="TextBox 25">
+              <a:extLst>
+                <a:ext uri="{FF2B5EF4-FFF2-40B4-BE49-F238E27FC236}">
+                  <a16:creationId xmlns:a16="http://schemas.microsoft.com/office/drawing/2014/main" id="{B267E14E-48F1-AE18-C862-F4FB32C0FA07}"/>
+                </a:ext>
+              </a:extLst>
+            </p:cNvPr>
+            <p:cNvSpPr txBox="1">
+              <a:spLocks noChangeArrowheads="1"/>
+            </p:cNvSpPr>
+            <p:nvPr/>
+          </p:nvSpPr>
+          <p:spPr bwMode="auto">
+            <a:xfrm>
+              <a:off x="4830615" y="1173693"/>
+              <a:ext cx="898313" cy="276999"/>
+            </a:xfrm>
+            <a:prstGeom prst="rect">
+              <a:avLst/>
+            </a:prstGeom>
+            <a:noFill/>
+            <a:ln>
+              <a:noFill/>
+            </a:ln>
+            <a:extLst>
+              <a:ext uri="{909E8E84-426E-40DD-AFC4-6F175D3DCCD1}">
+                <a14:hiddenFill xmlns:a14="http://schemas.microsoft.com/office/drawing/2010/main">
+                  <a:solidFill>
+                    <a:srgbClr val="FFFFFF"/>
+                  </a:solidFill>
+                </a14:hiddenFill>
+              </a:ext>
+              <a:ext uri="{91240B29-F687-4F45-9708-019B960494DF}">
+                <a14:hiddenLine xmlns:a14="http://schemas.microsoft.com/office/drawing/2010/main" w="9525">
+                  <a:solidFill>
+                    <a:srgbClr val="000000"/>
+                  </a:solidFill>
+                  <a:miter lim="800000"/>
+                  <a:headEnd/>
+                  <a:tailEnd/>
+                </a14:hiddenLine>
+              </a:ext>
+            </a:extLst>
+          </p:spPr>
+          <p:txBody>
+            <a:bodyPr wrap="square">
+              <a:spAutoFit/>
+            </a:bodyPr>
+            <a:lstStyle>
+              <a:lvl1pPr>
+                <a:defRPr>
+                  <a:solidFill>
+                    <a:schemeClr val="tx1"/>
+                  </a:solidFill>
+                  <a:latin typeface="Calibri" panose="020F0502020204030204" pitchFamily="34" charset="0"/>
+                </a:defRPr>
+              </a:lvl1pPr>
+              <a:lvl2pPr marL="742950" indent="-285750">
+                <a:defRPr>
+                  <a:solidFill>
+                    <a:schemeClr val="tx1"/>
+                  </a:solidFill>
+                  <a:latin typeface="Calibri" panose="020F0502020204030204" pitchFamily="34" charset="0"/>
+                </a:defRPr>
+              </a:lvl2pPr>
+              <a:lvl3pPr marL="1143000" indent="-228600">
+                <a:defRPr>
+                  <a:solidFill>
+                    <a:schemeClr val="tx1"/>
+                  </a:solidFill>
+                  <a:latin typeface="Calibri" panose="020F0502020204030204" pitchFamily="34" charset="0"/>
+                </a:defRPr>
+              </a:lvl3pPr>
+              <a:lvl4pPr marL="1600200" indent="-228600">
+                <a:defRPr>
+                  <a:solidFill>
+                    <a:schemeClr val="tx1"/>
+                  </a:solidFill>
+                  <a:latin typeface="Calibri" panose="020F0502020204030204" pitchFamily="34" charset="0"/>
+                </a:defRPr>
+              </a:lvl4pPr>
+              <a:lvl5pPr marL="2057400" indent="-228600">
+                <a:defRPr>
+                  <a:solidFill>
+                    <a:schemeClr val="tx1"/>
+                  </a:solidFill>
+                  <a:latin typeface="Calibri" panose="020F0502020204030204" pitchFamily="34" charset="0"/>
+                </a:defRPr>
+              </a:lvl5pPr>
+              <a:lvl6pPr marL="2514600" indent="-228600" eaLnBrk="0" fontAlgn="base" hangingPunct="0">
+                <a:spcBef>
+                  <a:spcPct val="0"/>
+                </a:spcBef>
+                <a:spcAft>
+                  <a:spcPct val="0"/>
+                </a:spcAft>
+                <a:defRPr>
+                  <a:solidFill>
+                    <a:schemeClr val="tx1"/>
+                  </a:solidFill>
+                  <a:latin typeface="Calibri" panose="020F0502020204030204" pitchFamily="34" charset="0"/>
+                </a:defRPr>
+              </a:lvl6pPr>
+              <a:lvl7pPr marL="2971800" indent="-228600" eaLnBrk="0" fontAlgn="base" hangingPunct="0">
+                <a:spcBef>
+                  <a:spcPct val="0"/>
+                </a:spcBef>
+                <a:spcAft>
+                  <a:spcPct val="0"/>
+                </a:spcAft>
+                <a:defRPr>
+                  <a:solidFill>
+                    <a:schemeClr val="tx1"/>
+                  </a:solidFill>
+                  <a:latin typeface="Calibri" panose="020F0502020204030204" pitchFamily="34" charset="0"/>
+                </a:defRPr>
+              </a:lvl7pPr>
+              <a:lvl8pPr marL="3429000" indent="-228600" eaLnBrk="0" fontAlgn="base" hangingPunct="0">
+                <a:spcBef>
+                  <a:spcPct val="0"/>
+                </a:spcBef>
+                <a:spcAft>
+                  <a:spcPct val="0"/>
+                </a:spcAft>
+                <a:defRPr>
+                  <a:solidFill>
+                    <a:schemeClr val="tx1"/>
+                  </a:solidFill>
+                  <a:latin typeface="Calibri" panose="020F0502020204030204" pitchFamily="34" charset="0"/>
+                </a:defRPr>
+              </a:lvl8pPr>
+              <a:lvl9pPr marL="3886200" indent="-228600" eaLnBrk="0" fontAlgn="base" hangingPunct="0">
+                <a:spcBef>
+                  <a:spcPct val="0"/>
+                </a:spcBef>
+                <a:spcAft>
+                  <a:spcPct val="0"/>
+                </a:spcAft>
+                <a:defRPr>
+                  <a:solidFill>
+                    <a:schemeClr val="tx1"/>
+                  </a:solidFill>
+                  <a:latin typeface="Calibri" panose="020F0502020204030204" pitchFamily="34" charset="0"/>
+                </a:defRPr>
+              </a:lvl9pPr>
+            </a:lstStyle>
+            <a:p>
+              <a:pPr algn="ctr" eaLnBrk="1" hangingPunct="1"/>
+              <a:r>
+                <a:rPr lang="en-US" altLang="en-US" sz="1200" dirty="0">
+                  <a:latin typeface="Arial" panose="020B0604020202020204" pitchFamily="34" charset="0"/>
+                  <a:cs typeface="Arial" panose="020B0604020202020204" pitchFamily="34" charset="0"/>
+                </a:rPr>
+                <a:t>Developer</a:t>
+              </a:r>
+            </a:p>
+          </p:txBody>
+        </p:sp>
+        <p:cxnSp>
+          <p:nvCxnSpPr>
+            <p:cNvPr id="30" name="Straight Arrow Connector 74" descr="Up and down pointing vertical arrow.">
+              <a:extLst>
+                <a:ext uri="{FF2B5EF4-FFF2-40B4-BE49-F238E27FC236}">
+                  <a16:creationId xmlns:a16="http://schemas.microsoft.com/office/drawing/2014/main" id="{2F7CCA4D-183E-3198-AC2B-1AF136C80032}"/>
+                </a:ext>
+              </a:extLst>
+            </p:cNvPr>
+            <p:cNvCxnSpPr>
+              <a:cxnSpLocks/>
+              <a:stCxn id="27" idx="1"/>
+              <a:endCxn id="28" idx="3"/>
+            </p:cNvCxnSpPr>
+            <p:nvPr/>
+          </p:nvCxnSpPr>
+          <p:spPr>
+            <a:xfrm flipH="1" flipV="1">
+              <a:off x="5508372" y="945093"/>
+              <a:ext cx="859294" cy="87"/>
+            </a:xfrm>
+            <a:prstGeom prst="straightConnector1">
+              <a:avLst/>
+            </a:prstGeom>
+            <a:ln w="15875">
+              <a:solidFill>
+                <a:schemeClr val="tx1"/>
+              </a:solidFill>
+              <a:headEnd type="arrow" w="med" len="sm"/>
+              <a:tailEnd type="none" w="med" len="sm"/>
+            </a:ln>
+          </p:spPr>
+          <p:style>
+            <a:lnRef idx="1">
+              <a:schemeClr val="accent1"/>
+            </a:lnRef>
+            <a:fillRef idx="0">
+              <a:schemeClr val="accent1"/>
+            </a:fillRef>
+            <a:effectRef idx="0">
+              <a:schemeClr val="accent1"/>
+            </a:effectRef>
+            <a:fontRef idx="minor">
+              <a:schemeClr val="tx1"/>
+            </a:fontRef>
+          </p:style>
+        </p:cxnSp>
+        <p:cxnSp>
+          <p:nvCxnSpPr>
+            <p:cNvPr id="31" name="Straight Arrow Connector 74" descr="Up and down pointing vertical arrow.">
+              <a:extLst>
+                <a:ext uri="{FF2B5EF4-FFF2-40B4-BE49-F238E27FC236}">
+                  <a16:creationId xmlns:a16="http://schemas.microsoft.com/office/drawing/2014/main" id="{6956C9FA-5351-3E40-4F64-AA5BF3D9F939}"/>
+                </a:ext>
+              </a:extLst>
+            </p:cNvPr>
+            <p:cNvCxnSpPr>
+              <a:cxnSpLocks/>
+              <a:stCxn id="11" idx="0"/>
+              <a:endCxn id="27" idx="2"/>
+            </p:cNvCxnSpPr>
+            <p:nvPr/>
+          </p:nvCxnSpPr>
+          <p:spPr>
+            <a:xfrm flipV="1">
+              <a:off x="6634175" y="1213427"/>
+              <a:ext cx="1738" cy="1698102"/>
+            </a:xfrm>
+            <a:prstGeom prst="straightConnector1">
+              <a:avLst/>
+            </a:prstGeom>
+            <a:ln w="15875">
+              <a:solidFill>
+                <a:schemeClr val="tx1"/>
+              </a:solidFill>
+              <a:headEnd type="arrow" w="med" len="sm"/>
+              <a:tailEnd type="none" w="med" len="sm"/>
+            </a:ln>
+          </p:spPr>
+          <p:style>
+            <a:lnRef idx="1">
+              <a:schemeClr val="accent1"/>
+            </a:lnRef>
+            <a:fillRef idx="0">
+              <a:schemeClr val="accent1"/>
+            </a:fillRef>
+            <a:effectRef idx="0">
+              <a:schemeClr val="accent1"/>
+            </a:effectRef>
+            <a:fontRef idx="minor">
+              <a:schemeClr val="tx1"/>
+            </a:fontRef>
+          </p:style>
+        </p:cxnSp>
+        <p:sp>
+          <p:nvSpPr>
+            <p:cNvPr id="32" name="TextBox 25">
+              <a:extLst>
+                <a:ext uri="{FF2B5EF4-FFF2-40B4-BE49-F238E27FC236}">
+                  <a16:creationId xmlns:a16="http://schemas.microsoft.com/office/drawing/2014/main" id="{89BE2347-247A-742C-5620-51DDC3DB1C05}"/>
+                </a:ext>
+              </a:extLst>
+            </p:cNvPr>
+            <p:cNvSpPr txBox="1">
+              <a:spLocks noChangeArrowheads="1"/>
+            </p:cNvSpPr>
+            <p:nvPr/>
+          </p:nvSpPr>
+          <p:spPr bwMode="auto">
+            <a:xfrm>
+              <a:off x="5653610" y="673837"/>
+              <a:ext cx="536494" cy="276999"/>
+            </a:xfrm>
+            <a:prstGeom prst="rect">
+              <a:avLst/>
+            </a:prstGeom>
+            <a:noFill/>
+            <a:ln>
+              <a:noFill/>
+            </a:ln>
+            <a:extLst>
+              <a:ext uri="{909E8E84-426E-40DD-AFC4-6F175D3DCCD1}">
+                <a14:hiddenFill xmlns:a14="http://schemas.microsoft.com/office/drawing/2010/main">
+                  <a:solidFill>
+                    <a:srgbClr val="FFFFFF"/>
+                  </a:solidFill>
+                </a14:hiddenFill>
+              </a:ext>
+              <a:ext uri="{91240B29-F687-4F45-9708-019B960494DF}">
+                <a14:hiddenLine xmlns:a14="http://schemas.microsoft.com/office/drawing/2010/main" w="9525">
+                  <a:solidFill>
+                    <a:srgbClr val="000000"/>
+                  </a:solidFill>
+                  <a:miter lim="800000"/>
+                  <a:headEnd/>
+                  <a:tailEnd/>
+                </a14:hiddenLine>
+              </a:ext>
+            </a:extLst>
+          </p:spPr>
+          <p:txBody>
+            <a:bodyPr wrap="square">
+              <a:spAutoFit/>
+            </a:bodyPr>
+            <a:lstStyle>
+              <a:lvl1pPr>
+                <a:defRPr>
+                  <a:solidFill>
+                    <a:schemeClr val="tx1"/>
+                  </a:solidFill>
+                  <a:latin typeface="Calibri" panose="020F0502020204030204" pitchFamily="34" charset="0"/>
+                </a:defRPr>
+              </a:lvl1pPr>
+              <a:lvl2pPr marL="742950" indent="-285750">
+                <a:defRPr>
+                  <a:solidFill>
+                    <a:schemeClr val="tx1"/>
+                  </a:solidFill>
+                  <a:latin typeface="Calibri" panose="020F0502020204030204" pitchFamily="34" charset="0"/>
+                </a:defRPr>
+              </a:lvl2pPr>
+              <a:lvl3pPr marL="1143000" indent="-228600">
+                <a:defRPr>
+                  <a:solidFill>
+                    <a:schemeClr val="tx1"/>
+                  </a:solidFill>
+                  <a:latin typeface="Calibri" panose="020F0502020204030204" pitchFamily="34" charset="0"/>
+                </a:defRPr>
+              </a:lvl3pPr>
+              <a:lvl4pPr marL="1600200" indent="-228600">
+                <a:defRPr>
+                  <a:solidFill>
+                    <a:schemeClr val="tx1"/>
+                  </a:solidFill>
+                  <a:latin typeface="Calibri" panose="020F0502020204030204" pitchFamily="34" charset="0"/>
+                </a:defRPr>
+              </a:lvl4pPr>
+              <a:lvl5pPr marL="2057400" indent="-228600">
+                <a:defRPr>
+                  <a:solidFill>
+                    <a:schemeClr val="tx1"/>
+                  </a:solidFill>
+                  <a:latin typeface="Calibri" panose="020F0502020204030204" pitchFamily="34" charset="0"/>
+                </a:defRPr>
+              </a:lvl5pPr>
+              <a:lvl6pPr marL="2514600" indent="-228600" eaLnBrk="0" fontAlgn="base" hangingPunct="0">
+                <a:spcBef>
+                  <a:spcPct val="0"/>
+                </a:spcBef>
+                <a:spcAft>
+                  <a:spcPct val="0"/>
+                </a:spcAft>
+                <a:defRPr>
+                  <a:solidFill>
+                    <a:schemeClr val="tx1"/>
+                  </a:solidFill>
+                  <a:latin typeface="Calibri" panose="020F0502020204030204" pitchFamily="34" charset="0"/>
+                </a:defRPr>
+              </a:lvl6pPr>
+              <a:lvl7pPr marL="2971800" indent="-228600" eaLnBrk="0" fontAlgn="base" hangingPunct="0">
+                <a:spcBef>
+                  <a:spcPct val="0"/>
+                </a:spcBef>
+                <a:spcAft>
+                  <a:spcPct val="0"/>
+                </a:spcAft>
+                <a:defRPr>
+                  <a:solidFill>
+                    <a:schemeClr val="tx1"/>
+                  </a:solidFill>
+                  <a:latin typeface="Calibri" panose="020F0502020204030204" pitchFamily="34" charset="0"/>
+                </a:defRPr>
+              </a:lvl7pPr>
+              <a:lvl8pPr marL="3429000" indent="-228600" eaLnBrk="0" fontAlgn="base" hangingPunct="0">
+                <a:spcBef>
+                  <a:spcPct val="0"/>
+                </a:spcBef>
+                <a:spcAft>
+                  <a:spcPct val="0"/>
+                </a:spcAft>
+                <a:defRPr>
+                  <a:solidFill>
+                    <a:schemeClr val="tx1"/>
+                  </a:solidFill>
+                  <a:latin typeface="Calibri" panose="020F0502020204030204" pitchFamily="34" charset="0"/>
+                </a:defRPr>
+              </a:lvl8pPr>
+              <a:lvl9pPr marL="3886200" indent="-228600" eaLnBrk="0" fontAlgn="base" hangingPunct="0">
+                <a:spcBef>
+                  <a:spcPct val="0"/>
+                </a:spcBef>
+                <a:spcAft>
+                  <a:spcPct val="0"/>
+                </a:spcAft>
+                <a:defRPr>
+                  <a:solidFill>
+                    <a:schemeClr val="tx1"/>
+                  </a:solidFill>
+                  <a:latin typeface="Calibri" panose="020F0502020204030204" pitchFamily="34" charset="0"/>
+                </a:defRPr>
+              </a:lvl9pPr>
+            </a:lstStyle>
+            <a:p>
+              <a:pPr algn="ctr" eaLnBrk="1" hangingPunct="1"/>
+              <a:r>
+                <a:rPr lang="en-US" altLang="en-US" sz="1200" dirty="0">
+                  <a:latin typeface="Arial" panose="020B0604020202020204" pitchFamily="34" charset="0"/>
+                  <a:cs typeface="Arial" panose="020B0604020202020204" pitchFamily="34" charset="0"/>
+                </a:rPr>
+                <a:t>push</a:t>
+              </a:r>
+            </a:p>
+          </p:txBody>
+        </p:sp>
+        <p:cxnSp>
+          <p:nvCxnSpPr>
+            <p:cNvPr id="33" name="Straight Arrow Connector 74" descr="Up and down pointing vertical arrow.">
+              <a:extLst>
+                <a:ext uri="{FF2B5EF4-FFF2-40B4-BE49-F238E27FC236}">
+                  <a16:creationId xmlns:a16="http://schemas.microsoft.com/office/drawing/2014/main" id="{E8913D96-5097-703E-68BE-512CF9919CB3}"/>
+                </a:ext>
+              </a:extLst>
+            </p:cNvPr>
+            <p:cNvCxnSpPr>
+              <a:cxnSpLocks/>
+              <a:stCxn id="8" idx="1"/>
+              <a:endCxn id="14" idx="3"/>
+            </p:cNvCxnSpPr>
+            <p:nvPr/>
+          </p:nvCxnSpPr>
+          <p:spPr>
+            <a:xfrm flipH="1">
+              <a:off x="4026585" y="3185060"/>
+              <a:ext cx="859228" cy="0"/>
+            </a:xfrm>
+            <a:prstGeom prst="straightConnector1">
+              <a:avLst/>
+            </a:prstGeom>
+            <a:ln w="15875">
+              <a:solidFill>
+                <a:schemeClr val="tx1"/>
+              </a:solidFill>
+              <a:headEnd type="arrow" w="med" len="sm"/>
+              <a:tailEnd type="none" w="med" len="sm"/>
+            </a:ln>
+          </p:spPr>
+          <p:style>
+            <a:lnRef idx="1">
+              <a:schemeClr val="accent1"/>
+            </a:lnRef>
+            <a:fillRef idx="0">
+              <a:schemeClr val="accent1"/>
+            </a:fillRef>
+            <a:effectRef idx="0">
+              <a:schemeClr val="accent1"/>
+            </a:effectRef>
+            <a:fontRef idx="minor">
+              <a:schemeClr val="tx1"/>
+            </a:fontRef>
+          </p:style>
+        </p:cxnSp>
+        <p:cxnSp>
+          <p:nvCxnSpPr>
+            <p:cNvPr id="36" name="Straight Arrow Connector 74" descr="Up and down pointing vertical arrow.">
+              <a:extLst>
+                <a:ext uri="{FF2B5EF4-FFF2-40B4-BE49-F238E27FC236}">
+                  <a16:creationId xmlns:a16="http://schemas.microsoft.com/office/drawing/2014/main" id="{32FAB85D-3988-F7D5-409F-8E7A4911CA82}"/>
+                </a:ext>
+              </a:extLst>
+            </p:cNvPr>
+            <p:cNvCxnSpPr>
+              <a:cxnSpLocks/>
+              <a:stCxn id="11" idx="1"/>
+              <a:endCxn id="8" idx="3"/>
+            </p:cNvCxnSpPr>
+            <p:nvPr/>
+          </p:nvCxnSpPr>
+          <p:spPr>
+            <a:xfrm flipH="1" flipV="1">
+              <a:off x="5432876" y="3185060"/>
+              <a:ext cx="927767" cy="1"/>
+            </a:xfrm>
+            <a:prstGeom prst="straightConnector1">
+              <a:avLst/>
+            </a:prstGeom>
+            <a:ln w="15875">
+              <a:solidFill>
+                <a:schemeClr val="tx1"/>
+              </a:solidFill>
+              <a:headEnd type="arrow" w="med" len="sm"/>
+              <a:tailEnd type="none" w="med" len="sm"/>
+            </a:ln>
+          </p:spPr>
+          <p:style>
+            <a:lnRef idx="1">
+              <a:schemeClr val="accent1"/>
+            </a:lnRef>
+            <a:fillRef idx="0">
+              <a:schemeClr val="accent1"/>
+            </a:fillRef>
+            <a:effectRef idx="0">
+              <a:schemeClr val="accent1"/>
+            </a:effectRef>
+            <a:fontRef idx="minor">
+              <a:schemeClr val="tx1"/>
+            </a:fontRef>
+          </p:style>
+        </p:cxnSp>
+        <p:cxnSp>
+          <p:nvCxnSpPr>
+            <p:cNvPr id="41" name="Straight Arrow Connector 74" descr="Up and down pointing vertical arrow.">
+              <a:extLst>
+                <a:ext uri="{FF2B5EF4-FFF2-40B4-BE49-F238E27FC236}">
+                  <a16:creationId xmlns:a16="http://schemas.microsoft.com/office/drawing/2014/main" id="{A4974086-E70E-5597-D864-D40CC2B4DCE7}"/>
+                </a:ext>
+              </a:extLst>
+            </p:cNvPr>
+            <p:cNvCxnSpPr>
+              <a:cxnSpLocks/>
+              <a:stCxn id="20" idx="0"/>
+              <a:endCxn id="12" idx="2"/>
+            </p:cNvCxnSpPr>
+            <p:nvPr/>
+          </p:nvCxnSpPr>
+          <p:spPr>
+            <a:xfrm flipH="1" flipV="1">
+              <a:off x="6633605" y="3921396"/>
+              <a:ext cx="1188" cy="543255"/>
+            </a:xfrm>
+            <a:prstGeom prst="straightConnector1">
+              <a:avLst/>
+            </a:prstGeom>
+            <a:ln w="15875">
+              <a:solidFill>
+                <a:schemeClr val="tx1"/>
+              </a:solidFill>
+              <a:headEnd type="arrow" w="med" len="sm"/>
+              <a:tailEnd type="none" w="med" len="sm"/>
+            </a:ln>
+          </p:spPr>
+          <p:style>
+            <a:lnRef idx="1">
+              <a:schemeClr val="accent1"/>
+            </a:lnRef>
+            <a:fillRef idx="0">
+              <a:schemeClr val="accent1"/>
+            </a:fillRef>
+            <a:effectRef idx="0">
+              <a:schemeClr val="accent1"/>
+            </a:effectRef>
+            <a:fontRef idx="minor">
+              <a:schemeClr val="tx1"/>
+            </a:fontRef>
+          </p:style>
+        </p:cxnSp>
+        <p:cxnSp>
+          <p:nvCxnSpPr>
+            <p:cNvPr id="44" name="Straight Arrow Connector 74" descr="Up and down pointing vertical arrow.">
+              <a:extLst>
+                <a:ext uri="{FF2B5EF4-FFF2-40B4-BE49-F238E27FC236}">
+                  <a16:creationId xmlns:a16="http://schemas.microsoft.com/office/drawing/2014/main" id="{F77FAF61-EA60-6DF6-7B98-C21F82CDFA97}"/>
+                </a:ext>
+              </a:extLst>
+            </p:cNvPr>
+            <p:cNvCxnSpPr>
+              <a:cxnSpLocks/>
+              <a:stCxn id="23" idx="1"/>
+              <a:endCxn id="20" idx="3"/>
+            </p:cNvCxnSpPr>
+            <p:nvPr/>
+          </p:nvCxnSpPr>
+          <p:spPr>
+            <a:xfrm flipH="1">
+              <a:off x="6908324" y="4738182"/>
+              <a:ext cx="980139" cy="0"/>
+            </a:xfrm>
+            <a:prstGeom prst="straightConnector1">
+              <a:avLst/>
+            </a:prstGeom>
+            <a:ln w="15875">
+              <a:solidFill>
+                <a:schemeClr val="tx1"/>
+              </a:solidFill>
+              <a:headEnd type="arrow" w="med" len="sm"/>
+              <a:tailEnd type="arrow" w="med" len="sm"/>
+            </a:ln>
+          </p:spPr>
+          <p:style>
+            <a:lnRef idx="1">
+              <a:schemeClr val="accent1"/>
+            </a:lnRef>
+            <a:fillRef idx="0">
+              <a:schemeClr val="accent1"/>
+            </a:fillRef>
+            <a:effectRef idx="0">
+              <a:schemeClr val="accent1"/>
+            </a:effectRef>
+            <a:fontRef idx="minor">
+              <a:schemeClr val="tx1"/>
+            </a:fontRef>
+          </p:style>
+        </p:cxnSp>
+        <p:cxnSp>
+          <p:nvCxnSpPr>
+            <p:cNvPr id="47" name="Straight Arrow Connector 74" descr="Up and down pointing vertical arrow.">
+              <a:extLst>
+                <a:ext uri="{FF2B5EF4-FFF2-40B4-BE49-F238E27FC236}">
+                  <a16:creationId xmlns:a16="http://schemas.microsoft.com/office/drawing/2014/main" id="{09331F2B-F43E-DC03-49F6-8CAA945D75D8}"/>
+                </a:ext>
+              </a:extLst>
+            </p:cNvPr>
+            <p:cNvCxnSpPr>
+              <a:cxnSpLocks/>
+              <a:stCxn id="5" idx="1"/>
+              <a:endCxn id="23" idx="3"/>
+            </p:cNvCxnSpPr>
+            <p:nvPr/>
+          </p:nvCxnSpPr>
+          <p:spPr>
+            <a:xfrm flipH="1">
+              <a:off x="8435526" y="4738182"/>
+              <a:ext cx="945947" cy="0"/>
+            </a:xfrm>
+            <a:prstGeom prst="straightConnector1">
+              <a:avLst/>
+            </a:prstGeom>
+            <a:ln w="15875">
+              <a:solidFill>
+                <a:schemeClr val="tx1"/>
+              </a:solidFill>
+              <a:headEnd type="arrow" w="med" len="sm"/>
+              <a:tailEnd type="arrow" w="med" len="sm"/>
+            </a:ln>
+          </p:spPr>
+          <p:style>
+            <a:lnRef idx="1">
+              <a:schemeClr val="accent1"/>
+            </a:lnRef>
+            <a:fillRef idx="0">
+              <a:schemeClr val="accent1"/>
+            </a:fillRef>
+            <a:effectRef idx="0">
+              <a:schemeClr val="accent1"/>
+            </a:effectRef>
+            <a:fontRef idx="minor">
+              <a:schemeClr val="tx1"/>
+            </a:fontRef>
+          </p:style>
+        </p:cxnSp>
+        <p:sp>
+          <p:nvSpPr>
+            <p:cNvPr id="51" name="Rectangle 54">
+              <a:extLst>
+                <a:ext uri="{FF2B5EF4-FFF2-40B4-BE49-F238E27FC236}">
+                  <a16:creationId xmlns:a16="http://schemas.microsoft.com/office/drawing/2014/main" id="{455CB118-431B-A928-1A57-89877B7B6B5E}"/>
+                </a:ext>
+              </a:extLst>
+            </p:cNvPr>
+            <p:cNvSpPr/>
+            <p:nvPr/>
+          </p:nvSpPr>
+          <p:spPr>
+            <a:xfrm>
+              <a:off x="2530604" y="1626579"/>
+              <a:ext cx="8047489" cy="3910621"/>
+            </a:xfrm>
+            <a:prstGeom prst="rect">
+              <a:avLst/>
+            </a:prstGeom>
+            <a:noFill/>
+            <a:ln w="15875">
+              <a:solidFill>
+                <a:schemeClr val="tx1"/>
+              </a:solidFill>
+            </a:ln>
+          </p:spPr>
+          <p:style>
+            <a:lnRef idx="2">
+              <a:schemeClr val="accent1">
+                <a:shade val="50000"/>
+              </a:schemeClr>
+            </a:lnRef>
+            <a:fillRef idx="1">
+              <a:schemeClr val="accent1"/>
+            </a:fillRef>
+            <a:effectRef idx="0">
+              <a:schemeClr val="accent1"/>
+            </a:effectRef>
+            <a:fontRef idx="minor">
+              <a:schemeClr val="lt1"/>
+            </a:fontRef>
+          </p:style>
+          <p:txBody>
+            <a:bodyPr lIns="502920" tIns="91440"/>
+            <a:lstStyle/>
+            <a:p>
+              <a:pPr eaLnBrk="1" fontAlgn="auto" hangingPunct="1">
+                <a:spcBef>
+                  <a:spcPts val="0"/>
+                </a:spcBef>
+                <a:spcAft>
+                  <a:spcPts val="0"/>
+                </a:spcAft>
+                <a:defRPr/>
+              </a:pPr>
+              <a:r>
+                <a:rPr lang="en-US" sz="1200" dirty="0">
+                  <a:solidFill>
+                    <a:schemeClr val="tx1"/>
+                  </a:solidFill>
+                  <a:latin typeface="Arial" panose="020B0604020202020204" pitchFamily="34" charset="0"/>
+                  <a:cs typeface="Arial" panose="020B0604020202020204" pitchFamily="34" charset="0"/>
+                </a:rPr>
+                <a:t>AWS Cloud</a:t>
+              </a:r>
+            </a:p>
+          </p:txBody>
+        </p:sp>
+        <p:pic>
+          <p:nvPicPr>
+            <p:cNvPr id="52" name="Graphic 55" descr="AWS Cloud group icon with AWS logo.">
+              <a:extLst>
+                <a:ext uri="{FF2B5EF4-FFF2-40B4-BE49-F238E27FC236}">
+                  <a16:creationId xmlns:a16="http://schemas.microsoft.com/office/drawing/2014/main" id="{95878A5E-25FD-74F2-081B-BAF3E5485E86}"/>
+                </a:ext>
+              </a:extLst>
+            </p:cNvPr>
+            <p:cNvPicPr>
+              <a:picLocks noChangeAspect="1"/>
+            </p:cNvPicPr>
+            <p:nvPr/>
+          </p:nvPicPr>
+          <p:blipFill>
+            <a:blip r:embed="rId21">
+              <a:extLst>
+                <a:ext uri="{96DAC541-7B7A-43D3-8B79-37D633B846F1}">
+                  <asvg:svgBlip xmlns:asvg="http://schemas.microsoft.com/office/drawing/2016/SVG/main" r:embed="rId22"/>
+                </a:ext>
+              </a:extLst>
+            </a:blip>
+            <a:srcRect/>
+            <a:stretch/>
+          </p:blipFill>
+          <p:spPr>
+            <a:xfrm>
+              <a:off x="2521446" y="1638780"/>
+              <a:ext cx="381000" cy="370188"/>
+            </a:xfrm>
+            <a:prstGeom prst="rect">
+              <a:avLst/>
+            </a:prstGeom>
+          </p:spPr>
+        </p:pic>
+        <p:grpSp>
+          <p:nvGrpSpPr>
+            <p:cNvPr id="59" name="グループ化 58">
+              <a:extLst>
+                <a:ext uri="{FF2B5EF4-FFF2-40B4-BE49-F238E27FC236}">
+                  <a16:creationId xmlns:a16="http://schemas.microsoft.com/office/drawing/2014/main" id="{23F77797-3384-6A76-DCB9-CACA059243A9}"/>
+                </a:ext>
+              </a:extLst>
+            </p:cNvPr>
+            <p:cNvGrpSpPr/>
+            <p:nvPr/>
+          </p:nvGrpSpPr>
+          <p:grpSpPr>
+            <a:xfrm>
+              <a:off x="1507083" y="2957850"/>
+              <a:ext cx="670848" cy="734199"/>
+              <a:chOff x="1507083" y="2911529"/>
+              <a:chExt cx="670848" cy="734199"/>
+            </a:xfrm>
+          </p:grpSpPr>
+          <p:pic>
+            <p:nvPicPr>
+              <p:cNvPr id="53" name="Graphic 68" descr="Client resource icon for the General Icons category.">
+                <a:extLst>
+                  <a:ext uri="{FF2B5EF4-FFF2-40B4-BE49-F238E27FC236}">
+                    <a16:creationId xmlns:a16="http://schemas.microsoft.com/office/drawing/2014/main" id="{904233E1-BA5E-A39E-2DEE-C353608A5017}"/>
+                  </a:ext>
+                </a:extLst>
+              </p:cNvPr>
+              <p:cNvPicPr>
+                <a:picLocks noChangeAspect="1"/>
+              </p:cNvPicPr>
+              <p:nvPr/>
+            </p:nvPicPr>
+            <p:blipFill>
+              <a:blip r:embed="rId19">
+                <a:extLst>
+                  <a:ext uri="{96DAC541-7B7A-43D3-8B79-37D633B846F1}">
+                    <asvg:svgBlip xmlns:asvg="http://schemas.microsoft.com/office/drawing/2016/SVG/main" r:embed="rId20"/>
+                  </a:ext>
+                </a:extLst>
+              </a:blip>
+              <a:stretch>
+                <a:fillRect/>
+              </a:stretch>
+            </p:blipFill>
+            <p:spPr>
+              <a:xfrm>
+                <a:off x="1613907" y="2911529"/>
+                <a:ext cx="457200" cy="457200"/>
+              </a:xfrm>
+              <a:prstGeom prst="rect">
+                <a:avLst/>
+              </a:prstGeom>
+            </p:spPr>
+          </p:pic>
+          <p:sp>
+            <p:nvSpPr>
+              <p:cNvPr id="54" name="TextBox 25">
+                <a:extLst>
+                  <a:ext uri="{FF2B5EF4-FFF2-40B4-BE49-F238E27FC236}">
+                    <a16:creationId xmlns:a16="http://schemas.microsoft.com/office/drawing/2014/main" id="{33714D07-4C76-F5D8-0B35-0336C002EBCE}"/>
+                  </a:ext>
+                </a:extLst>
+              </p:cNvPr>
+              <p:cNvSpPr txBox="1">
+                <a:spLocks noChangeArrowheads="1"/>
+              </p:cNvSpPr>
+              <p:nvPr/>
+            </p:nvSpPr>
+            <p:spPr bwMode="auto">
+              <a:xfrm>
+                <a:off x="1507083" y="3368729"/>
+                <a:ext cx="670848" cy="276999"/>
+              </a:xfrm>
+              <a:prstGeom prst="rect">
+                <a:avLst/>
+              </a:prstGeom>
+              <a:noFill/>
+              <a:ln>
+                <a:noFill/>
+              </a:ln>
+              <a:extLst>
+                <a:ext uri="{909E8E84-426E-40DD-AFC4-6F175D3DCCD1}">
+                  <a14:hiddenFill xmlns:a14="http://schemas.microsoft.com/office/drawing/2010/main">
+                    <a:solidFill>
+                      <a:srgbClr val="FFFFFF"/>
+                    </a:solidFill>
+                  </a14:hiddenFill>
+                </a:ext>
+                <a:ext uri="{91240B29-F687-4F45-9708-019B960494DF}">
+                  <a14:hiddenLine xmlns:a14="http://schemas.microsoft.com/office/drawing/2010/main" w="9525">
+                    <a:solidFill>
+                      <a:srgbClr val="000000"/>
+                    </a:solidFill>
+                    <a:miter lim="800000"/>
+                    <a:headEnd/>
+                    <a:tailEnd/>
+                  </a14:hiddenLine>
+                </a:ext>
+              </a:extLst>
+            </p:spPr>
+            <p:txBody>
+              <a:bodyPr wrap="square">
+                <a:spAutoFit/>
+              </a:bodyPr>
+              <a:lstStyle>
+                <a:lvl1pPr>
+                  <a:defRPr>
+                    <a:solidFill>
+                      <a:schemeClr val="tx1"/>
+                    </a:solidFill>
+                    <a:latin typeface="Calibri" panose="020F0502020204030204" pitchFamily="34" charset="0"/>
+                  </a:defRPr>
+                </a:lvl1pPr>
+                <a:lvl2pPr marL="742950" indent="-285750">
+                  <a:defRPr>
+                    <a:solidFill>
+                      <a:schemeClr val="tx1"/>
+                    </a:solidFill>
+                    <a:latin typeface="Calibri" panose="020F0502020204030204" pitchFamily="34" charset="0"/>
+                  </a:defRPr>
+                </a:lvl2pPr>
+                <a:lvl3pPr marL="1143000" indent="-228600">
+                  <a:defRPr>
+                    <a:solidFill>
+                      <a:schemeClr val="tx1"/>
+                    </a:solidFill>
+                    <a:latin typeface="Calibri" panose="020F0502020204030204" pitchFamily="34" charset="0"/>
+                  </a:defRPr>
+                </a:lvl3pPr>
+                <a:lvl4pPr marL="1600200" indent="-228600">
+                  <a:defRPr>
+                    <a:solidFill>
+                      <a:schemeClr val="tx1"/>
+                    </a:solidFill>
+                    <a:latin typeface="Calibri" panose="020F0502020204030204" pitchFamily="34" charset="0"/>
+                  </a:defRPr>
+                </a:lvl4pPr>
+                <a:lvl5pPr marL="2057400" indent="-228600">
+                  <a:defRPr>
+                    <a:solidFill>
+                      <a:schemeClr val="tx1"/>
+                    </a:solidFill>
+                    <a:latin typeface="Calibri" panose="020F0502020204030204" pitchFamily="34" charset="0"/>
+                  </a:defRPr>
+                </a:lvl5pPr>
+                <a:lvl6pPr marL="2514600" indent="-228600" eaLnBrk="0" fontAlgn="base" hangingPunct="0">
+                  <a:spcBef>
+                    <a:spcPct val="0"/>
+                  </a:spcBef>
+                  <a:spcAft>
+                    <a:spcPct val="0"/>
+                  </a:spcAft>
+                  <a:defRPr>
+                    <a:solidFill>
+                      <a:schemeClr val="tx1"/>
+                    </a:solidFill>
+                    <a:latin typeface="Calibri" panose="020F0502020204030204" pitchFamily="34" charset="0"/>
+                  </a:defRPr>
+                </a:lvl6pPr>
+                <a:lvl7pPr marL="2971800" indent="-228600" eaLnBrk="0" fontAlgn="base" hangingPunct="0">
+                  <a:spcBef>
+                    <a:spcPct val="0"/>
+                  </a:spcBef>
+                  <a:spcAft>
+                    <a:spcPct val="0"/>
+                  </a:spcAft>
+                  <a:defRPr>
+                    <a:solidFill>
+                      <a:schemeClr val="tx1"/>
+                    </a:solidFill>
+                    <a:latin typeface="Calibri" panose="020F0502020204030204" pitchFamily="34" charset="0"/>
+                  </a:defRPr>
+                </a:lvl7pPr>
+                <a:lvl8pPr marL="3429000" indent="-228600" eaLnBrk="0" fontAlgn="base" hangingPunct="0">
+                  <a:spcBef>
+                    <a:spcPct val="0"/>
+                  </a:spcBef>
+                  <a:spcAft>
+                    <a:spcPct val="0"/>
+                  </a:spcAft>
+                  <a:defRPr>
+                    <a:solidFill>
+                      <a:schemeClr val="tx1"/>
+                    </a:solidFill>
+                    <a:latin typeface="Calibri" panose="020F0502020204030204" pitchFamily="34" charset="0"/>
+                  </a:defRPr>
+                </a:lvl8pPr>
+                <a:lvl9pPr marL="3886200" indent="-228600" eaLnBrk="0" fontAlgn="base" hangingPunct="0">
+                  <a:spcBef>
+                    <a:spcPct val="0"/>
+                  </a:spcBef>
+                  <a:spcAft>
+                    <a:spcPct val="0"/>
+                  </a:spcAft>
+                  <a:defRPr>
+                    <a:solidFill>
+                      <a:schemeClr val="tx1"/>
+                    </a:solidFill>
+                    <a:latin typeface="Calibri" panose="020F0502020204030204" pitchFamily="34" charset="0"/>
+                  </a:defRPr>
+                </a:lvl9pPr>
+              </a:lstStyle>
+              <a:p>
+                <a:pPr algn="ctr" eaLnBrk="1" hangingPunct="1"/>
+                <a:r>
+                  <a:rPr lang="en-US" altLang="en-US" sz="1200" dirty="0">
+                    <a:latin typeface="Arial" panose="020B0604020202020204" pitchFamily="34" charset="0"/>
+                    <a:cs typeface="Arial" panose="020B0604020202020204" pitchFamily="34" charset="0"/>
+                  </a:rPr>
+                  <a:t>Client</a:t>
+                </a:r>
+              </a:p>
+            </p:txBody>
+          </p:sp>
+        </p:grpSp>
+        <p:cxnSp>
+          <p:nvCxnSpPr>
+            <p:cNvPr id="55" name="Straight Arrow Connector 74" descr="Up and down pointing vertical arrow.">
+              <a:extLst>
+                <a:ext uri="{FF2B5EF4-FFF2-40B4-BE49-F238E27FC236}">
+                  <a16:creationId xmlns:a16="http://schemas.microsoft.com/office/drawing/2014/main" id="{12EC4A8D-8F6C-C187-B737-DC9EE906CEF3}"/>
+                </a:ext>
+              </a:extLst>
+            </p:cNvPr>
+            <p:cNvCxnSpPr>
+              <a:cxnSpLocks/>
+              <a:stCxn id="14" idx="1"/>
+              <a:endCxn id="53" idx="3"/>
+            </p:cNvCxnSpPr>
+            <p:nvPr/>
+          </p:nvCxnSpPr>
+          <p:spPr>
+            <a:xfrm flipH="1">
+              <a:off x="2071107" y="3185060"/>
+              <a:ext cx="1408415" cy="1390"/>
+            </a:xfrm>
+            <a:prstGeom prst="straightConnector1">
+              <a:avLst/>
+            </a:prstGeom>
+            <a:ln w="15875">
+              <a:solidFill>
+                <a:schemeClr val="tx1"/>
+              </a:solidFill>
+              <a:headEnd type="arrow" w="med" len="sm"/>
+              <a:tailEnd type="none" w="med" len="sm"/>
+            </a:ln>
+          </p:spPr>
+          <p:style>
+            <a:lnRef idx="1">
+              <a:schemeClr val="accent1"/>
+            </a:lnRef>
+            <a:fillRef idx="0">
+              <a:schemeClr val="accent1"/>
+            </a:fillRef>
+            <a:effectRef idx="0">
+              <a:schemeClr val="accent1"/>
+            </a:effectRef>
+            <a:fontRef idx="minor">
+              <a:schemeClr val="tx1"/>
+            </a:fontRef>
+          </p:style>
+        </p:cxnSp>
+        <p:pic>
+          <p:nvPicPr>
+            <p:cNvPr id="60" name="図 59" descr="アイコン&#10;&#10;AI によって生成されたコンテンツは間違っている可能性があります。">
+              <a:extLst>
+                <a:ext uri="{FF2B5EF4-FFF2-40B4-BE49-F238E27FC236}">
+                  <a16:creationId xmlns:a16="http://schemas.microsoft.com/office/drawing/2014/main" id="{684D70A2-8CD7-8800-55BF-E1B68A33001A}"/>
+                </a:ext>
+              </a:extLst>
+            </p:cNvPr>
+            <p:cNvPicPr>
+              <a:picLocks noChangeAspect="1"/>
+            </p:cNvPicPr>
+            <p:nvPr/>
+          </p:nvPicPr>
+          <p:blipFill>
+            <a:blip r:embed="rId23">
+              <a:extLst>
+                <a:ext uri="{28A0092B-C50C-407E-A947-70E740481C1C}">
+                  <a14:useLocalDpi xmlns:a14="http://schemas.microsoft.com/office/drawing/2010/main" val="0"/>
+                </a:ext>
+              </a:extLst>
+            </a:blip>
+            <a:srcRect l="10553" t="5709" r="9769" b="4466"/>
+            <a:stretch/>
+          </p:blipFill>
+          <p:spPr>
+            <a:xfrm>
+              <a:off x="7004776" y="2981850"/>
+              <a:ext cx="357774" cy="403333"/>
+            </a:xfrm>
+            <a:prstGeom prst="rect">
+              <a:avLst/>
+            </a:prstGeom>
+          </p:spPr>
+        </p:pic>
+        <p:grpSp>
+          <p:nvGrpSpPr>
+            <p:cNvPr id="70" name="グループ化 69">
+              <a:extLst>
+                <a:ext uri="{FF2B5EF4-FFF2-40B4-BE49-F238E27FC236}">
+                  <a16:creationId xmlns:a16="http://schemas.microsoft.com/office/drawing/2014/main" id="{9F14A683-74B8-4661-5573-D46C2F3AF6F8}"/>
+                </a:ext>
+              </a:extLst>
+            </p:cNvPr>
+            <p:cNvGrpSpPr/>
+            <p:nvPr/>
+          </p:nvGrpSpPr>
+          <p:grpSpPr>
+            <a:xfrm>
+              <a:off x="8975058" y="2129169"/>
+              <a:ext cx="1372676" cy="727849"/>
+              <a:chOff x="8952392" y="2143991"/>
+              <a:chExt cx="1372676" cy="727849"/>
+            </a:xfrm>
+          </p:grpSpPr>
+          <p:pic>
+            <p:nvPicPr>
+              <p:cNvPr id="61" name="Graphic 60" descr="Model resource icon for the Amazon SageMaker service.">
+                <a:extLst>
+                  <a:ext uri="{FF2B5EF4-FFF2-40B4-BE49-F238E27FC236}">
+                    <a16:creationId xmlns:a16="http://schemas.microsoft.com/office/drawing/2014/main" id="{FB601BEB-130F-A73F-405F-FD388D8374B9}"/>
+                  </a:ext>
+                </a:extLst>
+              </p:cNvPr>
+              <p:cNvPicPr>
+                <a:picLocks noChangeAspect="1"/>
+              </p:cNvPicPr>
+              <p:nvPr/>
+            </p:nvPicPr>
+            <p:blipFill>
+              <a:blip r:embed="rId24">
+                <a:extLst>
+                  <a:ext uri="{96DAC541-7B7A-43D3-8B79-37D633B846F1}">
+                    <asvg:svgBlip xmlns:asvg="http://schemas.microsoft.com/office/drawing/2016/SVG/main" r:embed="rId25"/>
+                  </a:ext>
+                </a:extLst>
+              </a:blip>
+              <a:stretch>
+                <a:fillRect/>
+              </a:stretch>
+            </p:blipFill>
+            <p:spPr>
+              <a:xfrm>
+                <a:off x="9394502" y="2143991"/>
+                <a:ext cx="457200" cy="457200"/>
+              </a:xfrm>
+              <a:prstGeom prst="rect">
+                <a:avLst/>
+              </a:prstGeom>
+            </p:spPr>
+          </p:pic>
+          <p:sp>
+            <p:nvSpPr>
+              <p:cNvPr id="62" name="TextBox 20">
+                <a:extLst>
+                  <a:ext uri="{FF2B5EF4-FFF2-40B4-BE49-F238E27FC236}">
+                    <a16:creationId xmlns:a16="http://schemas.microsoft.com/office/drawing/2014/main" id="{0694E3FF-FBE4-91E4-C8EA-F61322DD1A82}"/>
+                  </a:ext>
+                </a:extLst>
+              </p:cNvPr>
+              <p:cNvSpPr txBox="1">
+                <a:spLocks noChangeArrowheads="1"/>
+              </p:cNvSpPr>
+              <p:nvPr/>
+            </p:nvSpPr>
+            <p:spPr bwMode="auto">
+              <a:xfrm>
+                <a:off x="8952392" y="2594841"/>
+                <a:ext cx="1372676" cy="276999"/>
+              </a:xfrm>
+              <a:prstGeom prst="rect">
+                <a:avLst/>
+              </a:prstGeom>
+              <a:noFill/>
+              <a:ln>
+                <a:noFill/>
+              </a:ln>
+              <a:extLst>
+                <a:ext uri="{909E8E84-426E-40DD-AFC4-6F175D3DCCD1}">
+                  <a14:hiddenFill xmlns:a14="http://schemas.microsoft.com/office/drawing/2010/main">
+                    <a:solidFill>
+                      <a:srgbClr val="FFFFFF"/>
+                    </a:solidFill>
+                  </a14:hiddenFill>
+                </a:ext>
+                <a:ext uri="{91240B29-F687-4F45-9708-019B960494DF}">
+                  <a14:hiddenLine xmlns:a14="http://schemas.microsoft.com/office/drawing/2010/main" w="9525">
+                    <a:solidFill>
+                      <a:srgbClr val="000000"/>
+                    </a:solidFill>
+                    <a:miter lim="800000"/>
+                    <a:headEnd/>
+                    <a:tailEnd/>
+                  </a14:hiddenLine>
+                </a:ext>
+              </a:extLst>
+            </p:spPr>
+            <p:txBody>
+              <a:bodyPr wrap="square">
+                <a:spAutoFit/>
+              </a:bodyPr>
+              <a:lstStyle>
+                <a:lvl1pPr>
+                  <a:defRPr>
+                    <a:solidFill>
+                      <a:schemeClr val="tx1"/>
+                    </a:solidFill>
+                    <a:latin typeface="Calibri" panose="020F0502020204030204" pitchFamily="34" charset="0"/>
+                  </a:defRPr>
+                </a:lvl1pPr>
+                <a:lvl2pPr marL="742950" indent="-285750">
+                  <a:defRPr>
+                    <a:solidFill>
+                      <a:schemeClr val="tx1"/>
+                    </a:solidFill>
+                    <a:latin typeface="Calibri" panose="020F0502020204030204" pitchFamily="34" charset="0"/>
+                  </a:defRPr>
+                </a:lvl2pPr>
+                <a:lvl3pPr marL="1143000" indent="-228600">
+                  <a:defRPr>
+                    <a:solidFill>
+                      <a:schemeClr val="tx1"/>
+                    </a:solidFill>
+                    <a:latin typeface="Calibri" panose="020F0502020204030204" pitchFamily="34" charset="0"/>
+                  </a:defRPr>
+                </a:lvl3pPr>
+                <a:lvl4pPr marL="1600200" indent="-228600">
+                  <a:defRPr>
+                    <a:solidFill>
+                      <a:schemeClr val="tx1"/>
+                    </a:solidFill>
+                    <a:latin typeface="Calibri" panose="020F0502020204030204" pitchFamily="34" charset="0"/>
+                  </a:defRPr>
+                </a:lvl4pPr>
+                <a:lvl5pPr marL="2057400" indent="-228600">
+                  <a:defRPr>
+                    <a:solidFill>
+                      <a:schemeClr val="tx1"/>
+                    </a:solidFill>
+                    <a:latin typeface="Calibri" panose="020F0502020204030204" pitchFamily="34" charset="0"/>
+                  </a:defRPr>
+                </a:lvl5pPr>
+                <a:lvl6pPr marL="2514600" indent="-228600" eaLnBrk="0" fontAlgn="base" hangingPunct="0">
+                  <a:spcBef>
+                    <a:spcPct val="0"/>
+                  </a:spcBef>
+                  <a:spcAft>
+                    <a:spcPct val="0"/>
+                  </a:spcAft>
+                  <a:defRPr>
+                    <a:solidFill>
+                      <a:schemeClr val="tx1"/>
+                    </a:solidFill>
+                    <a:latin typeface="Calibri" panose="020F0502020204030204" pitchFamily="34" charset="0"/>
+                  </a:defRPr>
+                </a:lvl6pPr>
+                <a:lvl7pPr marL="2971800" indent="-228600" eaLnBrk="0" fontAlgn="base" hangingPunct="0">
+                  <a:spcBef>
+                    <a:spcPct val="0"/>
+                  </a:spcBef>
+                  <a:spcAft>
+                    <a:spcPct val="0"/>
+                  </a:spcAft>
+                  <a:defRPr>
+                    <a:solidFill>
+                      <a:schemeClr val="tx1"/>
+                    </a:solidFill>
+                    <a:latin typeface="Calibri" panose="020F0502020204030204" pitchFamily="34" charset="0"/>
+                  </a:defRPr>
+                </a:lvl7pPr>
+                <a:lvl8pPr marL="3429000" indent="-228600" eaLnBrk="0" fontAlgn="base" hangingPunct="0">
+                  <a:spcBef>
+                    <a:spcPct val="0"/>
+                  </a:spcBef>
+                  <a:spcAft>
+                    <a:spcPct val="0"/>
+                  </a:spcAft>
+                  <a:defRPr>
+                    <a:solidFill>
+                      <a:schemeClr val="tx1"/>
+                    </a:solidFill>
+                    <a:latin typeface="Calibri" panose="020F0502020204030204" pitchFamily="34" charset="0"/>
+                  </a:defRPr>
+                </a:lvl8pPr>
+                <a:lvl9pPr marL="3886200" indent="-228600" eaLnBrk="0" fontAlgn="base" hangingPunct="0">
+                  <a:spcBef>
+                    <a:spcPct val="0"/>
+                  </a:spcBef>
+                  <a:spcAft>
+                    <a:spcPct val="0"/>
+                  </a:spcAft>
+                  <a:defRPr>
+                    <a:solidFill>
+                      <a:schemeClr val="tx1"/>
+                    </a:solidFill>
+                    <a:latin typeface="Calibri" panose="020F0502020204030204" pitchFamily="34" charset="0"/>
+                  </a:defRPr>
+                </a:lvl9pPr>
+              </a:lstStyle>
+              <a:p>
+                <a:pPr algn="ctr" eaLnBrk="1" hangingPunct="1"/>
+                <a:r>
+                  <a:rPr lang="en-US" altLang="en-US" sz="1200" dirty="0">
+                    <a:latin typeface="Arial" panose="020B0604020202020204" pitchFamily="34" charset="0"/>
+                    <a:ea typeface="Amazon Ember" panose="020B0603020204020204" pitchFamily="34" charset="0"/>
+                    <a:cs typeface="Arial" panose="020B0604020202020204" pitchFamily="34" charset="0"/>
+                  </a:rPr>
+                  <a:t>Trained Model</a:t>
+                </a:r>
+              </a:p>
+            </p:txBody>
+          </p:sp>
+        </p:grpSp>
+        <p:grpSp>
+          <p:nvGrpSpPr>
+            <p:cNvPr id="63" name="グループ化 62">
+              <a:extLst>
+                <a:ext uri="{FF2B5EF4-FFF2-40B4-BE49-F238E27FC236}">
+                  <a16:creationId xmlns:a16="http://schemas.microsoft.com/office/drawing/2014/main" id="{86FC2D70-79C6-C9C6-B158-20D9282794E9}"/>
+                </a:ext>
+              </a:extLst>
+            </p:cNvPr>
+            <p:cNvGrpSpPr/>
+            <p:nvPr/>
+          </p:nvGrpSpPr>
+          <p:grpSpPr>
+            <a:xfrm>
+              <a:off x="8850773" y="2916670"/>
+              <a:ext cx="1608138" cy="1009867"/>
+              <a:chOff x="2249488" y="1182688"/>
+              <a:chExt cx="2239962" cy="1406636"/>
+            </a:xfrm>
+          </p:grpSpPr>
+          <p:pic>
+            <p:nvPicPr>
+              <p:cNvPr id="64" name="Graphic 8" descr="Amazon Simple Storage Service (Amazon S3) service icon.">
+                <a:extLst>
+                  <a:ext uri="{FF2B5EF4-FFF2-40B4-BE49-F238E27FC236}">
+                    <a16:creationId xmlns:a16="http://schemas.microsoft.com/office/drawing/2014/main" id="{FC703AD5-51FA-17B1-DE2E-FF3D2818A1A9}"/>
+                  </a:ext>
+                </a:extLst>
+              </p:cNvPr>
+              <p:cNvPicPr>
+                <a:picLocks noChangeAspect="1" noChangeArrowheads="1"/>
+              </p:cNvPicPr>
+              <p:nvPr/>
+            </p:nvPicPr>
+            <p:blipFill>
+              <a:blip r:embed="rId8">
+                <a:extLst>
+                  <a:ext uri="{96DAC541-7B7A-43D3-8B79-37D633B846F1}">
+                    <asvg:svgBlip xmlns:asvg="http://schemas.microsoft.com/office/drawing/2016/SVG/main" r:embed="rId9"/>
+                  </a:ext>
+                </a:extLst>
+              </a:blip>
+              <a:srcRect/>
+              <a:stretch/>
+            </p:blipFill>
+            <p:spPr bwMode="auto">
+              <a:xfrm>
+                <a:off x="2989263" y="1182688"/>
+                <a:ext cx="762000" cy="762000"/>
+              </a:xfrm>
+              <a:prstGeom prst="rect">
+                <a:avLst/>
+              </a:prstGeom>
+              <a:noFill/>
+              <a:ln>
+                <a:noFill/>
+              </a:ln>
+              <a:extLst>
+                <a:ext uri="{909E8E84-426E-40DD-AFC4-6F175D3DCCD1}">
+                  <a14:hiddenFill xmlns:a14="http://schemas.microsoft.com/office/drawing/2010/main">
+                    <a:solidFill>
+                      <a:srgbClr val="FFFFFF"/>
+                    </a:solidFill>
+                  </a14:hiddenFill>
+                </a:ext>
+                <a:ext uri="{91240B29-F687-4F45-9708-019B960494DF}">
+                  <a14:hiddenLine xmlns:a14="http://schemas.microsoft.com/office/drawing/2010/main" w="9525">
+                    <a:solidFill>
+                      <a:srgbClr val="000000"/>
+                    </a:solidFill>
+                    <a:miter lim="800000"/>
+                    <a:headEnd/>
+                    <a:tailEnd/>
+                  </a14:hiddenLine>
+                </a:ext>
+              </a:extLst>
+            </p:spPr>
+          </p:pic>
+          <p:sp>
+            <p:nvSpPr>
+              <p:cNvPr id="65" name="TextBox 9">
+                <a:extLst>
+                  <a:ext uri="{FF2B5EF4-FFF2-40B4-BE49-F238E27FC236}">
+                    <a16:creationId xmlns:a16="http://schemas.microsoft.com/office/drawing/2014/main" id="{A1B8E995-E5A9-E83A-E7EE-30FC9161FDD9}"/>
+                  </a:ext>
+                </a:extLst>
+              </p:cNvPr>
+              <p:cNvSpPr txBox="1">
+                <a:spLocks noChangeArrowheads="1"/>
+              </p:cNvSpPr>
+              <p:nvPr/>
+            </p:nvSpPr>
+            <p:spPr bwMode="auto">
+              <a:xfrm>
+                <a:off x="2249488" y="1946275"/>
+                <a:ext cx="2239962" cy="643049"/>
+              </a:xfrm>
+              <a:prstGeom prst="rect">
+                <a:avLst/>
+              </a:prstGeom>
+              <a:noFill/>
+              <a:ln>
+                <a:noFill/>
+              </a:ln>
+              <a:extLst>
+                <a:ext uri="{909E8E84-426E-40DD-AFC4-6F175D3DCCD1}">
+                  <a14:hiddenFill xmlns:a14="http://schemas.microsoft.com/office/drawing/2010/main">
+                    <a:solidFill>
+                      <a:srgbClr val="FFFFFF"/>
+                    </a:solidFill>
+                  </a14:hiddenFill>
+                </a:ext>
+                <a:ext uri="{91240B29-F687-4F45-9708-019B960494DF}">
+                  <a14:hiddenLine xmlns:a14="http://schemas.microsoft.com/office/drawing/2010/main" w="9525">
+                    <a:solidFill>
+                      <a:srgbClr val="000000"/>
+                    </a:solidFill>
+                    <a:miter lim="800000"/>
+                    <a:headEnd/>
+                    <a:tailEnd/>
+                  </a14:hiddenLine>
+                </a:ext>
+              </a:extLst>
+            </p:spPr>
+            <p:txBody>
+              <a:bodyPr>
+                <a:spAutoFit/>
+              </a:bodyPr>
+              <a:lstStyle>
+                <a:lvl1pPr>
+                  <a:defRPr>
+                    <a:solidFill>
+                      <a:schemeClr val="tx1"/>
+                    </a:solidFill>
+                    <a:latin typeface="Calibri" panose="020F0502020204030204" pitchFamily="34" charset="0"/>
+                  </a:defRPr>
+                </a:lvl1pPr>
+                <a:lvl2pPr marL="742950" indent="-285750">
+                  <a:defRPr>
+                    <a:solidFill>
+                      <a:schemeClr val="tx1"/>
+                    </a:solidFill>
+                    <a:latin typeface="Calibri" panose="020F0502020204030204" pitchFamily="34" charset="0"/>
+                  </a:defRPr>
+                </a:lvl2pPr>
+                <a:lvl3pPr marL="1143000" indent="-228600">
+                  <a:defRPr>
+                    <a:solidFill>
+                      <a:schemeClr val="tx1"/>
+                    </a:solidFill>
+                    <a:latin typeface="Calibri" panose="020F0502020204030204" pitchFamily="34" charset="0"/>
+                  </a:defRPr>
+                </a:lvl3pPr>
+                <a:lvl4pPr marL="1600200" indent="-228600">
+                  <a:defRPr>
+                    <a:solidFill>
+                      <a:schemeClr val="tx1"/>
+                    </a:solidFill>
+                    <a:latin typeface="Calibri" panose="020F0502020204030204" pitchFamily="34" charset="0"/>
+                  </a:defRPr>
+                </a:lvl4pPr>
+                <a:lvl5pPr marL="2057400" indent="-228600">
+                  <a:defRPr>
+                    <a:solidFill>
+                      <a:schemeClr val="tx1"/>
+                    </a:solidFill>
+                    <a:latin typeface="Calibri" panose="020F0502020204030204" pitchFamily="34" charset="0"/>
+                  </a:defRPr>
+                </a:lvl5pPr>
+                <a:lvl6pPr marL="2514600" indent="-228600" eaLnBrk="0" fontAlgn="base" hangingPunct="0">
+                  <a:spcBef>
+                    <a:spcPct val="0"/>
+                  </a:spcBef>
+                  <a:spcAft>
+                    <a:spcPct val="0"/>
+                  </a:spcAft>
+                  <a:defRPr>
+                    <a:solidFill>
+                      <a:schemeClr val="tx1"/>
+                    </a:solidFill>
+                    <a:latin typeface="Calibri" panose="020F0502020204030204" pitchFamily="34" charset="0"/>
+                  </a:defRPr>
+                </a:lvl6pPr>
+                <a:lvl7pPr marL="2971800" indent="-228600" eaLnBrk="0" fontAlgn="base" hangingPunct="0">
+                  <a:spcBef>
+                    <a:spcPct val="0"/>
+                  </a:spcBef>
+                  <a:spcAft>
+                    <a:spcPct val="0"/>
+                  </a:spcAft>
+                  <a:defRPr>
+                    <a:solidFill>
+                      <a:schemeClr val="tx1"/>
+                    </a:solidFill>
+                    <a:latin typeface="Calibri" panose="020F0502020204030204" pitchFamily="34" charset="0"/>
+                  </a:defRPr>
+                </a:lvl7pPr>
+                <a:lvl8pPr marL="3429000" indent="-228600" eaLnBrk="0" fontAlgn="base" hangingPunct="0">
+                  <a:spcBef>
+                    <a:spcPct val="0"/>
+                  </a:spcBef>
+                  <a:spcAft>
+                    <a:spcPct val="0"/>
+                  </a:spcAft>
+                  <a:defRPr>
+                    <a:solidFill>
+                      <a:schemeClr val="tx1"/>
+                    </a:solidFill>
+                    <a:latin typeface="Calibri" panose="020F0502020204030204" pitchFamily="34" charset="0"/>
+                  </a:defRPr>
+                </a:lvl8pPr>
+                <a:lvl9pPr marL="3886200" indent="-228600" eaLnBrk="0" fontAlgn="base" hangingPunct="0">
+                  <a:spcBef>
+                    <a:spcPct val="0"/>
+                  </a:spcBef>
+                  <a:spcAft>
+                    <a:spcPct val="0"/>
+                  </a:spcAft>
+                  <a:defRPr>
+                    <a:solidFill>
+                      <a:schemeClr val="tx1"/>
+                    </a:solidFill>
+                    <a:latin typeface="Calibri" panose="020F0502020204030204" pitchFamily="34" charset="0"/>
+                  </a:defRPr>
+                </a:lvl9pPr>
+              </a:lstStyle>
+              <a:p>
+                <a:pPr algn="ctr" eaLnBrk="1" hangingPunct="1"/>
+                <a:r>
+                  <a:rPr lang="en-US" altLang="en-US" sz="1200" dirty="0">
+                    <a:latin typeface="Arial" panose="020B0604020202020204" pitchFamily="34" charset="0"/>
+                    <a:ea typeface="Amazon Ember" panose="020B0603020204020204" pitchFamily="34" charset="0"/>
+                    <a:cs typeface="Arial" panose="020B0604020202020204" pitchFamily="34" charset="0"/>
+                  </a:rPr>
+                  <a:t>Amazon S3</a:t>
+                </a:r>
+              </a:p>
+              <a:p>
+                <a:pPr algn="ctr" eaLnBrk="1" hangingPunct="1"/>
+                <a:r>
+                  <a:rPr lang="en-US" altLang="en-US" sz="1200" dirty="0">
+                    <a:latin typeface="Arial" panose="020B0604020202020204" pitchFamily="34" charset="0"/>
+                    <a:ea typeface="Amazon Ember" panose="020B0603020204020204" pitchFamily="34" charset="0"/>
+                    <a:cs typeface="Arial" panose="020B0604020202020204" pitchFamily="34" charset="0"/>
+                  </a:rPr>
+                  <a:t>- Model Storage</a:t>
+                </a:r>
+              </a:p>
+            </p:txBody>
+          </p:sp>
+        </p:grpSp>
+        <p:cxnSp>
+          <p:nvCxnSpPr>
+            <p:cNvPr id="66" name="Elbow Connector 22" descr="Elbow horizontal arrow pointing right (1).">
+              <a:extLst>
+                <a:ext uri="{FF2B5EF4-FFF2-40B4-BE49-F238E27FC236}">
+                  <a16:creationId xmlns:a16="http://schemas.microsoft.com/office/drawing/2014/main" id="{20EEEB96-848F-3486-2EFD-CD77CAF5964B}"/>
+                </a:ext>
+              </a:extLst>
+            </p:cNvPr>
+            <p:cNvCxnSpPr>
+              <a:cxnSpLocks/>
+              <a:stCxn id="23" idx="0"/>
+              <a:endCxn id="64" idx="1"/>
+            </p:cNvCxnSpPr>
+            <p:nvPr/>
+          </p:nvCxnSpPr>
+          <p:spPr>
+            <a:xfrm rot="5400000" flipH="1" flipV="1">
+              <a:off x="8134713" y="3217485"/>
+              <a:ext cx="1274449" cy="1219885"/>
+            </a:xfrm>
+            <a:prstGeom prst="bentConnector2">
+              <a:avLst/>
+            </a:prstGeom>
+            <a:ln w="15875">
+              <a:solidFill>
+                <a:schemeClr val="tx1"/>
+              </a:solidFill>
+              <a:headEnd type="arrow" w="med" len="sm"/>
+              <a:tailEnd type="arrow" w="med" len="sm"/>
+            </a:ln>
+          </p:spPr>
+          <p:style>
+            <a:lnRef idx="1">
+              <a:schemeClr val="accent1"/>
+            </a:lnRef>
+            <a:fillRef idx="0">
+              <a:schemeClr val="accent1"/>
+            </a:fillRef>
+            <a:effectRef idx="0">
+              <a:schemeClr val="accent1"/>
+            </a:effectRef>
+            <a:fontRef idx="minor">
+              <a:schemeClr val="tx1"/>
+            </a:fontRef>
+          </p:style>
+        </p:cxnSp>
+      </p:grpSp>
+    </p:spTree>
+    <p:extLst>
+      <p:ext uri="{BB962C8B-B14F-4D97-AF65-F5344CB8AC3E}">
+        <p14:creationId xmlns:p14="http://schemas.microsoft.com/office/powerpoint/2010/main" val="987975288"/>
+      </p:ext>
+    </p:extLst>
+  </p:cSld>
+  <p:clrMapOvr>
+    <a:masterClrMapping/>
+  </p:clrMapOvr>
+</p:sld>
+</file>
+
 <file path=ppt/theme/theme1.xml><?xml version="1.0" encoding="utf-8"?>
 <a:theme xmlns:a="http://schemas.openxmlformats.org/drawingml/2006/main" name="Office テーマ">
   <a:themeElements>
